--- a/Drawing RPG Dummy 리소스 EQ1.pptx
+++ b/Drawing RPG Dummy 리소스 EQ1.pptx
@@ -10,6 +10,7 @@
     <p:sldId id="258" r:id="rId4"/>
     <p:sldId id="259" r:id="rId5"/>
     <p:sldId id="260" r:id="rId6"/>
+    <p:sldId id="261" r:id="rId7"/>
   </p:sldIdLst>
   <p:sldSz cx="6858000" cy="12192000"/>
   <p:notesSz cx="6858000" cy="9144000"/>
@@ -3034,10 +3035,6 @@
               </a:rPr>
               <a:t>플레이어</a:t>
             </a:r>
-            <a:endParaRPr lang="ko-KR" altLang="en-US" sz="2700" dirty="0">
-              <a:latin typeface="배달의민족 주아" panose="02020603020101020101" pitchFamily="18" charset="-127"/>
-              <a:ea typeface="배달의민족 주아" panose="02020603020101020101" pitchFamily="18" charset="-127"/>
-            </a:endParaRPr>
           </a:p>
         </p:txBody>
       </p:sp>
@@ -4441,7 +4438,7 @@
             </a:prstGeom>
             <a:ln w="38100">
               <a:solidFill>
-                <a:srgbClr val="0000FF"/>
+                <a:srgbClr val="FF0000"/>
               </a:solidFill>
             </a:ln>
           </p:spPr>
@@ -4476,7 +4473,7 @@
             </a:prstGeom>
             <a:ln w="38100">
               <a:solidFill>
-                <a:srgbClr val="0000FF"/>
+                <a:srgbClr val="FF0000"/>
               </a:solidFill>
             </a:ln>
           </p:spPr>
@@ -4511,7 +4508,7 @@
             <a:avLst/>
           </a:prstGeom>
           <a:solidFill>
-            <a:srgbClr val="0000FF">
+            <a:srgbClr val="FF0000">
               <a:alpha val="30000"/>
             </a:srgbClr>
           </a:solidFill>
@@ -4674,89 +4671,244 @@
           </p:txBody>
         </p:sp>
       </p:grpSp>
-      <p:sp>
-        <p:nvSpPr>
-          <p:cNvPr id="17" name="TextBox 16"/>
-          <p:cNvSpPr txBox="1"/>
+      <p:grpSp>
+        <p:nvGrpSpPr>
+          <p:cNvPr id="6" name="그룹 5"/>
+          <p:cNvGrpSpPr/>
           <p:nvPr/>
-        </p:nvSpPr>
-        <p:spPr>
+        </p:nvGrpSpPr>
+        <p:grpSpPr>
           <a:xfrm>
             <a:off x="866005" y="6352923"/>
-            <a:ext cx="3705287" cy="1323439"/>
+            <a:ext cx="5757831" cy="4727391"/>
+            <a:chOff x="866005" y="6352923"/>
+            <a:chExt cx="5757831" cy="4727391"/>
           </a:xfrm>
-          <a:prstGeom prst="rect">
-            <a:avLst/>
-          </a:prstGeom>
-          <a:noFill/>
-        </p:spPr>
-        <p:txBody>
-          <a:bodyPr wrap="square" rtlCol="0">
-            <a:spAutoFit/>
-          </a:bodyPr>
-          <a:lstStyle/>
-          <a:p>
-            <a:pPr algn="ctr"/>
-            <a:r>
-              <a:rPr lang="en-US" altLang="ko-KR" sz="8000" dirty="0" smtClean="0">
+        </p:grpSpPr>
+        <p:sp>
+          <p:nvSpPr>
+            <p:cNvPr id="17" name="TextBox 16"/>
+            <p:cNvSpPr txBox="1"/>
+            <p:nvPr/>
+          </p:nvSpPr>
+          <p:spPr>
+            <a:xfrm>
+              <a:off x="866005" y="6352923"/>
+              <a:ext cx="4894715" cy="1323439"/>
+            </a:xfrm>
+            <a:prstGeom prst="rect">
+              <a:avLst/>
+            </a:prstGeom>
+            <a:noFill/>
+          </p:spPr>
+          <p:txBody>
+            <a:bodyPr wrap="square" rtlCol="0">
+              <a:spAutoFit/>
+            </a:bodyPr>
+            <a:lstStyle/>
+            <a:p>
+              <a:pPr algn="ctr"/>
+              <a:r>
+                <a:rPr lang="en-US" altLang="ko-KR" sz="8000" dirty="0" smtClean="0">
+                  <a:solidFill>
+                    <a:schemeClr val="bg1"/>
+                  </a:solidFill>
+                  <a:latin typeface="휴먼둥근헤드라인" panose="02030504000101010101" pitchFamily="18" charset="-127"/>
+                  <a:ea typeface="휴먼둥근헤드라인" panose="02030504000101010101" pitchFamily="18" charset="-127"/>
+                </a:rPr>
+                <a:t>BATTLE</a:t>
+              </a:r>
+              <a:endParaRPr lang="en-US" altLang="ko-KR" sz="8000" dirty="0" smtClean="0">
                 <a:solidFill>
                   <a:schemeClr val="bg1"/>
                 </a:solidFill>
                 <a:latin typeface="휴먼둥근헤드라인" panose="02030504000101010101" pitchFamily="18" charset="-127"/>
                 <a:ea typeface="휴먼둥근헤드라인" panose="02030504000101010101" pitchFamily="18" charset="-127"/>
-              </a:rPr>
-              <a:t>MOVE</a:t>
-            </a:r>
-          </a:p>
-        </p:txBody>
-      </p:sp>
-      <p:sp>
-        <p:nvSpPr>
-          <p:cNvPr id="18" name="TextBox 17"/>
-          <p:cNvSpPr txBox="1"/>
-          <p:nvPr/>
-        </p:nvSpPr>
-        <p:spPr>
-          <a:xfrm>
-            <a:off x="866005" y="7473124"/>
-            <a:ext cx="2315219" cy="1323439"/>
-          </a:xfrm>
-          <a:prstGeom prst="rect">
-            <a:avLst/>
-          </a:prstGeom>
-          <a:noFill/>
-        </p:spPr>
-        <p:txBody>
-          <a:bodyPr wrap="square" rtlCol="0">
-            <a:spAutoFit/>
-          </a:bodyPr>
-          <a:lstStyle/>
-          <a:p>
-            <a:pPr algn="ctr"/>
-            <a:r>
-              <a:rPr lang="ko-KR" altLang="en-US" sz="8000" b="1" dirty="0" smtClean="0">
+              </a:endParaRPr>
+            </a:p>
+          </p:txBody>
+        </p:sp>
+        <p:sp>
+          <p:nvSpPr>
+            <p:cNvPr id="18" name="TextBox 17"/>
+            <p:cNvSpPr txBox="1"/>
+            <p:nvPr/>
+          </p:nvSpPr>
+          <p:spPr>
+            <a:xfrm>
+              <a:off x="866005" y="7473124"/>
+              <a:ext cx="2315219" cy="1323439"/>
+            </a:xfrm>
+            <a:prstGeom prst="rect">
+              <a:avLst/>
+            </a:prstGeom>
+            <a:noFill/>
+          </p:spPr>
+          <p:txBody>
+            <a:bodyPr wrap="square" rtlCol="0">
+              <a:spAutoFit/>
+            </a:bodyPr>
+            <a:lstStyle/>
+            <a:p>
+              <a:pPr algn="ctr"/>
+              <a:r>
+                <a:rPr lang="ko-KR" altLang="en-US" sz="8000" b="1" dirty="0" smtClean="0">
+                  <a:solidFill>
+                    <a:schemeClr val="bg1"/>
+                  </a:solidFill>
+                  <a:latin typeface="나눔고딕 ExtraBold" panose="020D0904000000000000" pitchFamily="50" charset="-127"/>
+                  <a:ea typeface="나눔고딕 ExtraBold" panose="020D0904000000000000" pitchFamily="50" charset="-127"/>
+                </a:rPr>
+                <a:t>전투</a:t>
+              </a:r>
+              <a:endParaRPr lang="en-US" altLang="ko-KR" sz="8000" b="1" dirty="0" smtClean="0">
                 <a:solidFill>
                   <a:schemeClr val="bg1"/>
                 </a:solidFill>
                 <a:latin typeface="나눔고딕 ExtraBold" panose="020D0904000000000000" pitchFamily="50" charset="-127"/>
                 <a:ea typeface="나눔고딕 ExtraBold" panose="020D0904000000000000" pitchFamily="50" charset="-127"/>
-              </a:rPr>
-              <a:t>이동</a:t>
-            </a:r>
-            <a:endParaRPr lang="en-US" altLang="ko-KR" sz="8000" b="1" dirty="0" smtClean="0">
-              <a:solidFill>
-                <a:schemeClr val="bg1"/>
-              </a:solidFill>
-              <a:latin typeface="나눔고딕 ExtraBold" panose="020D0904000000000000" pitchFamily="50" charset="-127"/>
-              <a:ea typeface="나눔고딕 ExtraBold" panose="020D0904000000000000" pitchFamily="50" charset="-127"/>
-            </a:endParaRPr>
-          </a:p>
-        </p:txBody>
-      </p:sp>
+              </a:endParaRPr>
+            </a:p>
+          </p:txBody>
+        </p:sp>
+        <p:grpSp>
+          <p:nvGrpSpPr>
+            <p:cNvPr id="14" name="그룹 13"/>
+            <p:cNvGrpSpPr>
+              <a:grpSpLocks noChangeAspect="1"/>
+            </p:cNvGrpSpPr>
+            <p:nvPr/>
+          </p:nvGrpSpPr>
+          <p:grpSpPr>
+            <a:xfrm>
+              <a:off x="3284730" y="7741209"/>
+              <a:ext cx="3339106" cy="3339105"/>
+              <a:chOff x="-1" y="2672893"/>
+              <a:chExt cx="6501588" cy="6501587"/>
+            </a:xfrm>
+          </p:grpSpPr>
+          <p:pic>
+            <p:nvPicPr>
+              <p:cNvPr id="15" name="그림 14"/>
+              <p:cNvPicPr>
+                <a:picLocks noChangeAspect="1"/>
+              </p:cNvPicPr>
+              <p:nvPr/>
+            </p:nvPicPr>
+            <p:blipFill>
+              <a:blip r:embed="rId2">
+                <a:extLst>
+                  <a:ext uri="{BEBA8EAE-BF5A-486C-A8C5-ECC9F3942E4B}">
+                    <a14:imgProps xmlns:a14="http://schemas.microsoft.com/office/drawing/2010/main">
+                      <a14:imgLayer r:embed="rId3">
+                        <a14:imgEffect>
+                          <a14:brightnessContrast bright="100000" contrast="100000"/>
+                        </a14:imgEffect>
+                      </a14:imgLayer>
+                    </a14:imgProps>
+                  </a:ext>
+                  <a:ext uri="{28A0092B-C50C-407E-A947-70E740481C1C}">
+                    <a14:useLocalDpi xmlns:a14="http://schemas.microsoft.com/office/drawing/2010/main" val="0"/>
+                  </a:ext>
+                </a:extLst>
+              </a:blip>
+              <a:stretch>
+                <a:fillRect/>
+              </a:stretch>
+            </p:blipFill>
+            <p:spPr>
+              <a:xfrm>
+                <a:off x="0" y="2672893"/>
+                <a:ext cx="6501587" cy="6501587"/>
+              </a:xfrm>
+              <a:prstGeom prst="rect">
+                <a:avLst/>
+              </a:prstGeom>
+            </p:spPr>
+          </p:pic>
+          <p:pic>
+            <p:nvPicPr>
+              <p:cNvPr id="16" name="그림 15"/>
+              <p:cNvPicPr>
+                <a:picLocks noChangeAspect="1"/>
+              </p:cNvPicPr>
+              <p:nvPr/>
+            </p:nvPicPr>
+            <p:blipFill>
+              <a:blip r:embed="rId2">
+                <a:extLst>
+                  <a:ext uri="{BEBA8EAE-BF5A-486C-A8C5-ECC9F3942E4B}">
+                    <a14:imgProps xmlns:a14="http://schemas.microsoft.com/office/drawing/2010/main">
+                      <a14:imgLayer r:embed="rId3">
+                        <a14:imgEffect>
+                          <a14:brightnessContrast bright="100000" contrast="100000"/>
+                        </a14:imgEffect>
+                      </a14:imgLayer>
+                    </a14:imgProps>
+                  </a:ext>
+                  <a:ext uri="{28A0092B-C50C-407E-A947-70E740481C1C}">
+                    <a14:useLocalDpi xmlns:a14="http://schemas.microsoft.com/office/drawing/2010/main" val="0"/>
+                  </a:ext>
+                </a:extLst>
+              </a:blip>
+              <a:stretch>
+                <a:fillRect/>
+              </a:stretch>
+            </p:blipFill>
+            <p:spPr>
+              <a:xfrm flipH="1">
+                <a:off x="-1" y="2672893"/>
+                <a:ext cx="6501587" cy="6501587"/>
+              </a:xfrm>
+              <a:prstGeom prst="rect">
+                <a:avLst/>
+              </a:prstGeom>
+            </p:spPr>
+          </p:pic>
+        </p:grpSp>
+      </p:grpSp>
     </p:spTree>
     <p:extLst>
       <p:ext uri="{BB962C8B-B14F-4D97-AF65-F5344CB8AC3E}">
         <p14:creationId xmlns:p14="http://schemas.microsoft.com/office/powerpoint/2010/main" val="2331705317"/>
+      </p:ext>
+    </p:extLst>
+  </p:cSld>
+  <p:clrMapOvr>
+    <a:masterClrMapping/>
+  </p:clrMapOvr>
+</p:sld>
+</file>
+
+<file path=ppt/slides/slide6.xml><?xml version="1.0" encoding="utf-8"?>
+<p:sld xmlns:a="http://schemas.openxmlformats.org/drawingml/2006/main" xmlns:r="http://schemas.openxmlformats.org/officeDocument/2006/relationships" xmlns:p="http://schemas.openxmlformats.org/presentationml/2006/main">
+  <p:cSld>
+    <p:bg>
+      <p:bgPr>
+        <a:solidFill>
+          <a:schemeClr val="tx1"/>
+        </a:solidFill>
+        <a:effectLst/>
+      </p:bgPr>
+    </p:bg>
+    <p:spTree>
+      <p:nvGrpSpPr>
+        <p:cNvPr id="1" name=""/>
+        <p:cNvGrpSpPr/>
+        <p:nvPr/>
+      </p:nvGrpSpPr>
+      <p:grpSpPr>
+        <a:xfrm>
+          <a:off x="0" y="0"/>
+          <a:ext cx="0" cy="0"/>
+          <a:chOff x="0" y="0"/>
+          <a:chExt cx="0" cy="0"/>
+        </a:xfrm>
+      </p:grpSpPr>
+    </p:spTree>
+    <p:extLst>
+      <p:ext uri="{BB962C8B-B14F-4D97-AF65-F5344CB8AC3E}">
+        <p14:creationId xmlns:p14="http://schemas.microsoft.com/office/powerpoint/2010/main" val="3109491726"/>
       </p:ext>
     </p:extLst>
   </p:cSld>

--- a/Drawing RPG Dummy 리소스 EQ1.pptx
+++ b/Drawing RPG Dummy 리소스 EQ1.pptx
@@ -4718,13 +4718,6 @@
                 </a:rPr>
                 <a:t>BATTLE</a:t>
               </a:r>
-              <a:endParaRPr lang="en-US" altLang="ko-KR" sz="8000" dirty="0" smtClean="0">
-                <a:solidFill>
-                  <a:schemeClr val="bg1"/>
-                </a:solidFill>
-                <a:latin typeface="휴먼둥근헤드라인" panose="02030504000101010101" pitchFamily="18" charset="-127"/>
-                <a:ea typeface="휴먼둥근헤드라인" panose="02030504000101010101" pitchFamily="18" charset="-127"/>
-              </a:endParaRPr>
             </a:p>
           </p:txBody>
         </p:sp>
@@ -4886,7 +4879,7 @@
     <p:bg>
       <p:bgPr>
         <a:solidFill>
-          <a:schemeClr val="tx1"/>
+          <a:schemeClr val="bg1"/>
         </a:solidFill>
         <a:effectLst/>
       </p:bgPr>
@@ -4905,6 +4898,353 @@
           <a:chExt cx="0" cy="0"/>
         </a:xfrm>
       </p:grpSpPr>
+      <p:grpSp>
+        <p:nvGrpSpPr>
+          <p:cNvPr id="7" name="그룹 6"/>
+          <p:cNvGrpSpPr/>
+          <p:nvPr/>
+        </p:nvGrpSpPr>
+        <p:grpSpPr>
+          <a:xfrm>
+            <a:off x="5715" y="4339873"/>
+            <a:ext cx="6874206" cy="3427242"/>
+            <a:chOff x="5715" y="4339873"/>
+            <a:chExt cx="6874206" cy="3427242"/>
+          </a:xfrm>
+        </p:grpSpPr>
+        <p:grpSp>
+          <p:nvGrpSpPr>
+            <p:cNvPr id="2" name="그룹 1"/>
+            <p:cNvGrpSpPr/>
+            <p:nvPr/>
+          </p:nvGrpSpPr>
+          <p:grpSpPr>
+            <a:xfrm>
+              <a:off x="5715" y="4339873"/>
+              <a:ext cx="6874206" cy="3427242"/>
+              <a:chOff x="0" y="2514600"/>
+              <a:chExt cx="6874206" cy="8046720"/>
+            </a:xfrm>
+          </p:grpSpPr>
+          <p:sp>
+            <p:nvSpPr>
+              <p:cNvPr id="3" name="직사각형 2"/>
+              <p:cNvSpPr/>
+              <p:nvPr/>
+            </p:nvSpPr>
+            <p:spPr>
+              <a:xfrm>
+                <a:off x="1" y="2514600"/>
+                <a:ext cx="6857999" cy="8046720"/>
+              </a:xfrm>
+              <a:prstGeom prst="rect">
+                <a:avLst/>
+              </a:prstGeom>
+              <a:gradFill flip="none" rotWithShape="1">
+                <a:gsLst>
+                  <a:gs pos="0">
+                    <a:schemeClr val="tx1"/>
+                  </a:gs>
+                  <a:gs pos="50000">
+                    <a:srgbClr val="000000">
+                      <a:alpha val="80000"/>
+                    </a:srgbClr>
+                  </a:gs>
+                  <a:gs pos="100000">
+                    <a:schemeClr val="tx1"/>
+                  </a:gs>
+                </a:gsLst>
+                <a:lin ang="5400000" scaled="1"/>
+                <a:tileRect/>
+              </a:gradFill>
+              <a:ln>
+                <a:noFill/>
+              </a:ln>
+            </p:spPr>
+            <p:style>
+              <a:lnRef idx="2">
+                <a:schemeClr val="accent1">
+                  <a:shade val="50000"/>
+                </a:schemeClr>
+              </a:lnRef>
+              <a:fillRef idx="1">
+                <a:schemeClr val="accent1"/>
+              </a:fillRef>
+              <a:effectRef idx="0">
+                <a:schemeClr val="accent1"/>
+              </a:effectRef>
+              <a:fontRef idx="minor">
+                <a:schemeClr val="lt1"/>
+              </a:fontRef>
+            </p:style>
+            <p:txBody>
+              <a:bodyPr rot="0" spcFirstLastPara="0" vertOverflow="overflow" horzOverflow="overflow" vert="horz" wrap="square" lIns="51435" tIns="25718" rIns="51435" bIns="25718" numCol="1" spcCol="0" rtlCol="0" fromWordArt="0" anchor="ctr" anchorCtr="0" forceAA="0" compatLnSpc="1">
+                <a:prstTxWarp prst="textNoShape">
+                  <a:avLst/>
+                </a:prstTxWarp>
+                <a:noAutofit/>
+              </a:bodyPr>
+              <a:lstStyle/>
+              <a:p>
+                <a:pPr algn="ctr"/>
+                <a:endParaRPr lang="ko-KR" altLang="en-US" sz="1013"/>
+              </a:p>
+            </p:txBody>
+          </p:sp>
+          <p:cxnSp>
+            <p:nvCxnSpPr>
+              <p:cNvPr id="4" name="직선 연결선 3"/>
+              <p:cNvCxnSpPr/>
+              <p:nvPr/>
+            </p:nvCxnSpPr>
+            <p:spPr>
+              <a:xfrm>
+                <a:off x="0" y="2514600"/>
+                <a:ext cx="6858000" cy="0"/>
+              </a:xfrm>
+              <a:prstGeom prst="line">
+                <a:avLst/>
+              </a:prstGeom>
+              <a:ln w="38100">
+                <a:solidFill>
+                  <a:srgbClr val="FFFF00"/>
+                </a:solidFill>
+              </a:ln>
+            </p:spPr>
+            <p:style>
+              <a:lnRef idx="1">
+                <a:schemeClr val="accent1"/>
+              </a:lnRef>
+              <a:fillRef idx="0">
+                <a:schemeClr val="accent1"/>
+              </a:fillRef>
+              <a:effectRef idx="0">
+                <a:schemeClr val="accent1"/>
+              </a:effectRef>
+              <a:fontRef idx="minor">
+                <a:schemeClr val="tx1"/>
+              </a:fontRef>
+            </p:style>
+          </p:cxnSp>
+          <p:cxnSp>
+            <p:nvCxnSpPr>
+              <p:cNvPr id="5" name="직선 연결선 4"/>
+              <p:cNvCxnSpPr/>
+              <p:nvPr/>
+            </p:nvCxnSpPr>
+            <p:spPr>
+              <a:xfrm>
+                <a:off x="16206" y="10550434"/>
+                <a:ext cx="6858000" cy="0"/>
+              </a:xfrm>
+              <a:prstGeom prst="line">
+                <a:avLst/>
+              </a:prstGeom>
+              <a:ln w="38100">
+                <a:solidFill>
+                  <a:srgbClr val="FFFF00"/>
+                </a:solidFill>
+              </a:ln>
+            </p:spPr>
+            <p:style>
+              <a:lnRef idx="1">
+                <a:schemeClr val="accent1"/>
+              </a:lnRef>
+              <a:fillRef idx="0">
+                <a:schemeClr val="accent1"/>
+              </a:fillRef>
+              <a:effectRef idx="0">
+                <a:schemeClr val="accent1"/>
+              </a:effectRef>
+              <a:fontRef idx="minor">
+                <a:schemeClr val="tx1"/>
+              </a:fontRef>
+            </p:style>
+          </p:cxnSp>
+        </p:grpSp>
+        <p:sp>
+          <p:nvSpPr>
+            <p:cNvPr id="6" name="TextBox 5"/>
+            <p:cNvSpPr txBox="1"/>
+            <p:nvPr/>
+          </p:nvSpPr>
+          <p:spPr>
+            <a:xfrm>
+              <a:off x="301956" y="4837777"/>
+              <a:ext cx="6281724" cy="2431435"/>
+            </a:xfrm>
+            <a:prstGeom prst="rect">
+              <a:avLst/>
+            </a:prstGeom>
+            <a:noFill/>
+          </p:spPr>
+          <p:txBody>
+            <a:bodyPr wrap="square" rtlCol="0">
+              <a:spAutoFit/>
+            </a:bodyPr>
+            <a:lstStyle/>
+            <a:p>
+              <a:r>
+                <a:rPr lang="ko-KR" altLang="en-US" sz="7600" b="1" dirty="0" smtClean="0">
+                  <a:ln>
+                    <a:solidFill>
+                      <a:srgbClr val="FFFF00"/>
+                    </a:solidFill>
+                  </a:ln>
+                  <a:solidFill>
+                    <a:srgbClr val="FFC000"/>
+                  </a:solidFill>
+                  <a:effectLst>
+                    <a:glow rad="12700">
+                      <a:schemeClr val="accent4">
+                        <a:satMod val="175000"/>
+                        <a:alpha val="73000"/>
+                      </a:schemeClr>
+                    </a:glow>
+                  </a:effectLst>
+                  <a:latin typeface="나눔고딕 ExtraBold" panose="020D0904000000000000" pitchFamily="50" charset="-127"/>
+                  <a:ea typeface="나눔고딕 ExtraBold" panose="020D0904000000000000" pitchFamily="50" charset="-127"/>
+                </a:rPr>
+                <a:t>목표 지점까지</a:t>
+              </a:r>
+              <a:endParaRPr lang="en-US" altLang="ko-KR" sz="7600" b="1" dirty="0" smtClean="0">
+                <a:ln>
+                  <a:solidFill>
+                    <a:srgbClr val="FFFF00"/>
+                  </a:solidFill>
+                </a:ln>
+                <a:solidFill>
+                  <a:srgbClr val="FFC000"/>
+                </a:solidFill>
+                <a:effectLst>
+                  <a:glow rad="12700">
+                    <a:schemeClr val="accent4">
+                      <a:satMod val="175000"/>
+                      <a:alpha val="73000"/>
+                    </a:schemeClr>
+                  </a:glow>
+                </a:effectLst>
+                <a:latin typeface="나눔고딕 ExtraBold" panose="020D0904000000000000" pitchFamily="50" charset="-127"/>
+                <a:ea typeface="나눔고딕 ExtraBold" panose="020D0904000000000000" pitchFamily="50" charset="-127"/>
+              </a:endParaRPr>
+            </a:p>
+            <a:p>
+              <a:r>
+                <a:rPr lang="en-US" altLang="ko-KR" sz="7600" b="1" dirty="0">
+                  <a:ln>
+                    <a:solidFill>
+                      <a:srgbClr val="FFFF00"/>
+                    </a:solidFill>
+                  </a:ln>
+                  <a:solidFill>
+                    <a:srgbClr val="FFC000"/>
+                  </a:solidFill>
+                  <a:effectLst>
+                    <a:glow rad="12700">
+                      <a:schemeClr val="accent4">
+                        <a:satMod val="175000"/>
+                        <a:alpha val="73000"/>
+                      </a:schemeClr>
+                    </a:glow>
+                  </a:effectLst>
+                  <a:latin typeface="나눔고딕 ExtraBold" panose="020D0904000000000000" pitchFamily="50" charset="-127"/>
+                  <a:ea typeface="나눔고딕 ExtraBold" panose="020D0904000000000000" pitchFamily="50" charset="-127"/>
+                </a:rPr>
+                <a:t> </a:t>
+              </a:r>
+              <a:r>
+                <a:rPr lang="en-US" altLang="ko-KR" sz="7600" b="1" dirty="0" smtClean="0">
+                  <a:ln>
+                    <a:solidFill>
+                      <a:srgbClr val="FFFF00"/>
+                    </a:solidFill>
+                  </a:ln>
+                  <a:solidFill>
+                    <a:srgbClr val="FFC000"/>
+                  </a:solidFill>
+                  <a:effectLst>
+                    <a:glow rad="12700">
+                      <a:schemeClr val="accent4">
+                        <a:satMod val="175000"/>
+                        <a:alpha val="73000"/>
+                      </a:schemeClr>
+                    </a:glow>
+                  </a:effectLst>
+                  <a:latin typeface="나눔고딕 ExtraBold" panose="020D0904000000000000" pitchFamily="50" charset="-127"/>
+                  <a:ea typeface="나눔고딕 ExtraBold" panose="020D0904000000000000" pitchFamily="50" charset="-127"/>
+                </a:rPr>
+                <a:t>       </a:t>
+              </a:r>
+              <a:r>
+                <a:rPr lang="ko-KR" altLang="en-US" sz="7600" b="1" dirty="0" smtClean="0">
+                  <a:ln>
+                    <a:solidFill>
+                      <a:srgbClr val="FFFF00"/>
+                    </a:solidFill>
+                  </a:ln>
+                  <a:solidFill>
+                    <a:srgbClr val="FFC000"/>
+                  </a:solidFill>
+                  <a:effectLst>
+                    <a:glow rad="12700">
+                      <a:schemeClr val="accent4">
+                        <a:satMod val="175000"/>
+                        <a:alpha val="73000"/>
+                      </a:schemeClr>
+                    </a:glow>
+                  </a:effectLst>
+                  <a:latin typeface="나눔고딕 ExtraBold" panose="020D0904000000000000" pitchFamily="50" charset="-127"/>
+                  <a:ea typeface="나눔고딕 ExtraBold" panose="020D0904000000000000" pitchFamily="50" charset="-127"/>
+                </a:rPr>
+                <a:t>도달하라</a:t>
+              </a:r>
+              <a:r>
+                <a:rPr lang="en-US" altLang="ko-KR" sz="7600" b="1" dirty="0" smtClean="0">
+                  <a:ln>
+                    <a:solidFill>
+                      <a:srgbClr val="FFFF00"/>
+                    </a:solidFill>
+                  </a:ln>
+                  <a:solidFill>
+                    <a:srgbClr val="FFC000"/>
+                  </a:solidFill>
+                  <a:effectLst>
+                    <a:glow rad="12700">
+                      <a:schemeClr val="accent4">
+                        <a:satMod val="175000"/>
+                        <a:alpha val="73000"/>
+                      </a:schemeClr>
+                    </a:glow>
+                  </a:effectLst>
+                  <a:latin typeface="나눔고딕 ExtraBold" panose="020D0904000000000000" pitchFamily="50" charset="-127"/>
+                  <a:ea typeface="나눔고딕 ExtraBold" panose="020D0904000000000000" pitchFamily="50" charset="-127"/>
+                </a:rPr>
+                <a:t>!</a:t>
+              </a:r>
+              <a:endParaRPr lang="ko-KR" altLang="en-US" sz="7600" b="1" dirty="0">
+                <a:ln>
+                  <a:solidFill>
+                    <a:srgbClr val="FFFF00"/>
+                  </a:solidFill>
+                </a:ln>
+                <a:solidFill>
+                  <a:srgbClr val="FFC000"/>
+                </a:solidFill>
+                <a:effectLst>
+                  <a:glow rad="12700">
+                    <a:schemeClr val="accent4">
+                      <a:satMod val="175000"/>
+                      <a:alpha val="73000"/>
+                    </a:schemeClr>
+                  </a:glow>
+                </a:effectLst>
+                <a:latin typeface="나눔고딕 ExtraBold" panose="020D0904000000000000" pitchFamily="50" charset="-127"/>
+                <a:ea typeface="나눔고딕 ExtraBold" panose="020D0904000000000000" pitchFamily="50" charset="-127"/>
+              </a:endParaRPr>
+            </a:p>
+          </p:txBody>
+        </p:sp>
+      </p:grpSp>
     </p:spTree>
     <p:extLst>
       <p:ext uri="{BB962C8B-B14F-4D97-AF65-F5344CB8AC3E}">

--- a/Drawing RPG Dummy 리소스 EQ1.pptx
+++ b/Drawing RPG Dummy 리소스 EQ1.pptx
@@ -11,6 +11,8 @@
     <p:sldId id="259" r:id="rId5"/>
     <p:sldId id="260" r:id="rId6"/>
     <p:sldId id="261" r:id="rId7"/>
+    <p:sldId id="262" r:id="rId8"/>
+    <p:sldId id="263" r:id="rId9"/>
   </p:sldIdLst>
   <p:sldSz cx="6858000" cy="12192000"/>
   <p:notesSz cx="6858000" cy="9144000"/>
@@ -5258,6 +5260,1009 @@
 </p:sld>
 </file>
 
+<file path=ppt/slides/slide7.xml><?xml version="1.0" encoding="utf-8"?>
+<p:sld xmlns:a="http://schemas.openxmlformats.org/drawingml/2006/main" xmlns:r="http://schemas.openxmlformats.org/officeDocument/2006/relationships" xmlns:p="http://schemas.openxmlformats.org/presentationml/2006/main">
+  <p:cSld>
+    <p:spTree>
+      <p:nvGrpSpPr>
+        <p:cNvPr id="1" name=""/>
+        <p:cNvGrpSpPr/>
+        <p:nvPr/>
+      </p:nvGrpSpPr>
+      <p:grpSpPr>
+        <a:xfrm>
+          <a:off x="0" y="0"/>
+          <a:ext cx="0" cy="0"/>
+          <a:chOff x="0" y="0"/>
+          <a:chExt cx="0" cy="0"/>
+        </a:xfrm>
+      </p:grpSpPr>
+      <p:grpSp>
+        <p:nvGrpSpPr>
+          <p:cNvPr id="6" name="그룹 5"/>
+          <p:cNvGrpSpPr/>
+          <p:nvPr/>
+        </p:nvGrpSpPr>
+        <p:grpSpPr>
+          <a:xfrm>
+            <a:off x="1551214" y="2416629"/>
+            <a:ext cx="3600000" cy="3600000"/>
+            <a:chOff x="1551214" y="2416629"/>
+            <a:chExt cx="3600000" cy="3600000"/>
+          </a:xfrm>
+        </p:grpSpPr>
+        <p:sp>
+          <p:nvSpPr>
+            <p:cNvPr id="5" name="모서리가 둥근 직사각형 4"/>
+            <p:cNvSpPr/>
+            <p:nvPr/>
+          </p:nvSpPr>
+          <p:spPr>
+            <a:xfrm>
+              <a:off x="1551214" y="2416629"/>
+              <a:ext cx="3600000" cy="3600000"/>
+            </a:xfrm>
+            <a:prstGeom prst="roundRect">
+              <a:avLst>
+                <a:gd name="adj" fmla="val 11678"/>
+              </a:avLst>
+            </a:prstGeom>
+            <a:solidFill>
+              <a:schemeClr val="tx1">
+                <a:alpha val="30000"/>
+              </a:schemeClr>
+            </a:solidFill>
+            <a:ln w="127000">
+              <a:solidFill>
+                <a:schemeClr val="accent4"/>
+              </a:solidFill>
+            </a:ln>
+          </p:spPr>
+          <p:style>
+            <a:lnRef idx="2">
+              <a:schemeClr val="accent1">
+                <a:shade val="50000"/>
+              </a:schemeClr>
+            </a:lnRef>
+            <a:fillRef idx="1">
+              <a:schemeClr val="accent1"/>
+            </a:fillRef>
+            <a:effectRef idx="0">
+              <a:schemeClr val="accent1"/>
+            </a:effectRef>
+            <a:fontRef idx="minor">
+              <a:schemeClr val="lt1"/>
+            </a:fontRef>
+          </p:style>
+          <p:txBody>
+            <a:bodyPr rtlCol="0" anchor="ctr"/>
+            <a:lstStyle/>
+            <a:p>
+              <a:pPr algn="ctr"/>
+              <a:endParaRPr lang="ko-KR" altLang="en-US"/>
+            </a:p>
+          </p:txBody>
+        </p:sp>
+        <p:pic>
+          <p:nvPicPr>
+            <p:cNvPr id="4" name="그림 3"/>
+            <p:cNvPicPr>
+              <a:picLocks noChangeAspect="1"/>
+            </p:cNvPicPr>
+            <p:nvPr/>
+          </p:nvPicPr>
+          <p:blipFill>
+            <a:blip r:embed="rId2">
+              <a:extLst>
+                <a:ext uri="{BEBA8EAE-BF5A-486C-A8C5-ECC9F3942E4B}">
+                  <a14:imgProps xmlns:a14="http://schemas.microsoft.com/office/drawing/2010/main">
+                    <a14:imgLayer r:embed="rId3">
+                      <a14:imgEffect>
+                        <a14:backgroundRemoval t="0" b="100000" l="0" r="100000">
+                          <a14:foregroundMark x1="52381" y1="19520" x2="52857" y2="22222"/>
+                          <a14:foregroundMark x1="64286" y1="21321" x2="65238" y2="24324"/>
+                        </a14:backgroundRemoval>
+                      </a14:imgEffect>
+                    </a14:imgLayer>
+                  </a14:imgProps>
+                </a:ext>
+                <a:ext uri="{28A0092B-C50C-407E-A947-70E740481C1C}">
+                  <a14:useLocalDpi xmlns:a14="http://schemas.microsoft.com/office/drawing/2010/main" val="0"/>
+                </a:ext>
+              </a:extLst>
+            </a:blip>
+            <a:stretch>
+              <a:fillRect/>
+            </a:stretch>
+          </p:blipFill>
+          <p:spPr>
+            <a:xfrm>
+              <a:off x="1616424" y="2841188"/>
+              <a:ext cx="3469580" cy="2750882"/>
+            </a:xfrm>
+            <a:prstGeom prst="rect">
+              <a:avLst/>
+            </a:prstGeom>
+          </p:spPr>
+        </p:pic>
+      </p:grpSp>
+      <p:grpSp>
+        <p:nvGrpSpPr>
+          <p:cNvPr id="23" name="그룹 22"/>
+          <p:cNvGrpSpPr/>
+          <p:nvPr/>
+        </p:nvGrpSpPr>
+        <p:grpSpPr>
+          <a:xfrm>
+            <a:off x="-149685" y="8423652"/>
+            <a:ext cx="7225509" cy="2457681"/>
+            <a:chOff x="-215831" y="7518483"/>
+            <a:chExt cx="7225509" cy="2457681"/>
+          </a:xfrm>
+        </p:grpSpPr>
+        <p:sp>
+          <p:nvSpPr>
+            <p:cNvPr id="24" name="직사각형 23"/>
+            <p:cNvSpPr/>
+            <p:nvPr/>
+          </p:nvSpPr>
+          <p:spPr>
+            <a:xfrm>
+              <a:off x="0" y="7748967"/>
+              <a:ext cx="6787204" cy="2043719"/>
+            </a:xfrm>
+            <a:prstGeom prst="rect">
+              <a:avLst/>
+            </a:prstGeom>
+            <a:solidFill>
+              <a:schemeClr val="tx1">
+                <a:alpha val="60000"/>
+              </a:schemeClr>
+            </a:solidFill>
+            <a:ln w="25400">
+              <a:solidFill>
+                <a:srgbClr val="FFFB47"/>
+              </a:solidFill>
+            </a:ln>
+          </p:spPr>
+          <p:style>
+            <a:lnRef idx="2">
+              <a:schemeClr val="accent1">
+                <a:shade val="50000"/>
+              </a:schemeClr>
+            </a:lnRef>
+            <a:fillRef idx="1">
+              <a:schemeClr val="accent1"/>
+            </a:fillRef>
+            <a:effectRef idx="0">
+              <a:schemeClr val="accent1"/>
+            </a:effectRef>
+            <a:fontRef idx="minor">
+              <a:schemeClr val="lt1"/>
+            </a:fontRef>
+          </p:style>
+          <p:txBody>
+            <a:bodyPr rtlCol="0" anchor="ctr"/>
+            <a:lstStyle/>
+            <a:p>
+              <a:pPr algn="ctr"/>
+              <a:endParaRPr lang="ko-KR" altLang="en-US"/>
+            </a:p>
+          </p:txBody>
+        </p:sp>
+        <p:grpSp>
+          <p:nvGrpSpPr>
+            <p:cNvPr id="25" name="그룹 24"/>
+            <p:cNvGrpSpPr/>
+            <p:nvPr/>
+          </p:nvGrpSpPr>
+          <p:grpSpPr>
+            <a:xfrm>
+              <a:off x="-215831" y="7518483"/>
+              <a:ext cx="3231746" cy="1644161"/>
+              <a:chOff x="1031936" y="8017329"/>
+              <a:chExt cx="2052907" cy="1644161"/>
+            </a:xfrm>
+          </p:grpSpPr>
+          <p:sp>
+            <p:nvSpPr>
+              <p:cNvPr id="31" name="순서도: 수동 입력 30"/>
+              <p:cNvSpPr/>
+              <p:nvPr/>
+            </p:nvSpPr>
+            <p:spPr>
+              <a:xfrm rot="5400000" flipH="1">
+                <a:off x="1520175" y="7529090"/>
+                <a:ext cx="1076429" cy="2052907"/>
+              </a:xfrm>
+              <a:prstGeom prst="flowChartManualInput">
+                <a:avLst/>
+              </a:prstGeom>
+              <a:solidFill>
+                <a:srgbClr val="FFFB47"/>
+              </a:solidFill>
+              <a:ln>
+                <a:noFill/>
+              </a:ln>
+            </p:spPr>
+            <p:style>
+              <a:lnRef idx="2">
+                <a:schemeClr val="accent1">
+                  <a:shade val="50000"/>
+                </a:schemeClr>
+              </a:lnRef>
+              <a:fillRef idx="1">
+                <a:schemeClr val="accent1"/>
+              </a:fillRef>
+              <a:effectRef idx="0">
+                <a:schemeClr val="accent1"/>
+              </a:effectRef>
+              <a:fontRef idx="minor">
+                <a:schemeClr val="lt1"/>
+              </a:fontRef>
+            </p:style>
+            <p:txBody>
+              <a:bodyPr rtlCol="0" anchor="ctr"/>
+              <a:lstStyle/>
+              <a:p>
+                <a:pPr algn="ctr"/>
+                <a:endParaRPr lang="ko-KR" altLang="en-US"/>
+              </a:p>
+            </p:txBody>
+          </p:sp>
+          <p:sp>
+            <p:nvSpPr>
+              <p:cNvPr id="32" name="순서도: 처리 31"/>
+              <p:cNvSpPr/>
+              <p:nvPr/>
+            </p:nvSpPr>
+            <p:spPr>
+              <a:xfrm>
+                <a:off x="1031936" y="9224389"/>
+                <a:ext cx="1521141" cy="150724"/>
+              </a:xfrm>
+              <a:prstGeom prst="flowChartProcess">
+                <a:avLst/>
+              </a:prstGeom>
+              <a:solidFill>
+                <a:srgbClr val="FFFB47"/>
+              </a:solidFill>
+              <a:ln>
+                <a:noFill/>
+              </a:ln>
+            </p:spPr>
+            <p:style>
+              <a:lnRef idx="2">
+                <a:schemeClr val="accent1">
+                  <a:shade val="50000"/>
+                </a:schemeClr>
+              </a:lnRef>
+              <a:fillRef idx="1">
+                <a:schemeClr val="accent1"/>
+              </a:fillRef>
+              <a:effectRef idx="0">
+                <a:schemeClr val="accent1"/>
+              </a:effectRef>
+              <a:fontRef idx="minor">
+                <a:schemeClr val="lt1"/>
+              </a:fontRef>
+            </p:style>
+            <p:txBody>
+              <a:bodyPr rtlCol="0" anchor="ctr"/>
+              <a:lstStyle/>
+              <a:p>
+                <a:pPr algn="ctr"/>
+                <a:endParaRPr lang="ko-KR" altLang="en-US"/>
+              </a:p>
+            </p:txBody>
+          </p:sp>
+          <p:sp>
+            <p:nvSpPr>
+              <p:cNvPr id="33" name="순서도: 처리 32"/>
+              <p:cNvSpPr/>
+              <p:nvPr/>
+            </p:nvSpPr>
+            <p:spPr>
+              <a:xfrm>
+                <a:off x="1031936" y="9510766"/>
+                <a:ext cx="1400428" cy="150724"/>
+              </a:xfrm>
+              <a:prstGeom prst="flowChartProcess">
+                <a:avLst/>
+              </a:prstGeom>
+              <a:solidFill>
+                <a:srgbClr val="FFFB47"/>
+              </a:solidFill>
+              <a:ln>
+                <a:noFill/>
+              </a:ln>
+            </p:spPr>
+            <p:style>
+              <a:lnRef idx="2">
+                <a:schemeClr val="accent1">
+                  <a:shade val="50000"/>
+                </a:schemeClr>
+              </a:lnRef>
+              <a:fillRef idx="1">
+                <a:schemeClr val="accent1"/>
+              </a:fillRef>
+              <a:effectRef idx="0">
+                <a:schemeClr val="accent1"/>
+              </a:effectRef>
+              <a:fontRef idx="minor">
+                <a:schemeClr val="lt1"/>
+              </a:fontRef>
+            </p:style>
+            <p:txBody>
+              <a:bodyPr rtlCol="0" anchor="ctr"/>
+              <a:lstStyle/>
+              <a:p>
+                <a:pPr algn="ctr"/>
+                <a:endParaRPr lang="ko-KR" altLang="en-US"/>
+              </a:p>
+            </p:txBody>
+          </p:sp>
+        </p:grpSp>
+        <p:grpSp>
+          <p:nvGrpSpPr>
+            <p:cNvPr id="26" name="그룹 25"/>
+            <p:cNvGrpSpPr/>
+            <p:nvPr/>
+          </p:nvGrpSpPr>
+          <p:grpSpPr>
+            <a:xfrm>
+              <a:off x="3161401" y="9467238"/>
+              <a:ext cx="3848277" cy="508926"/>
+              <a:chOff x="3152792" y="9654409"/>
+              <a:chExt cx="3378120" cy="508926"/>
+            </a:xfrm>
+          </p:grpSpPr>
+          <p:sp>
+            <p:nvSpPr>
+              <p:cNvPr id="27" name="순서도: 처리 26"/>
+              <p:cNvSpPr/>
+              <p:nvPr/>
+            </p:nvSpPr>
+            <p:spPr>
+              <a:xfrm>
+                <a:off x="3694577" y="9654410"/>
+                <a:ext cx="2836335" cy="216965"/>
+              </a:xfrm>
+              <a:prstGeom prst="flowChartProcess">
+                <a:avLst/>
+              </a:prstGeom>
+              <a:solidFill>
+                <a:srgbClr val="FFFB47"/>
+              </a:solidFill>
+              <a:ln>
+                <a:noFill/>
+              </a:ln>
+            </p:spPr>
+            <p:style>
+              <a:lnRef idx="2">
+                <a:schemeClr val="accent1">
+                  <a:shade val="50000"/>
+                </a:schemeClr>
+              </a:lnRef>
+              <a:fillRef idx="1">
+                <a:schemeClr val="accent1"/>
+              </a:fillRef>
+              <a:effectRef idx="0">
+                <a:schemeClr val="accent1"/>
+              </a:effectRef>
+              <a:fontRef idx="minor">
+                <a:schemeClr val="lt1"/>
+              </a:fontRef>
+            </p:style>
+            <p:txBody>
+              <a:bodyPr rtlCol="0" anchor="ctr"/>
+              <a:lstStyle/>
+              <a:p>
+                <a:pPr algn="ctr"/>
+                <a:endParaRPr lang="ko-KR" altLang="en-US"/>
+              </a:p>
+            </p:txBody>
+          </p:sp>
+          <p:sp>
+            <p:nvSpPr>
+              <p:cNvPr id="28" name="직각 삼각형 27"/>
+              <p:cNvSpPr/>
+              <p:nvPr/>
+            </p:nvSpPr>
+            <p:spPr>
+              <a:xfrm rot="16200000">
+                <a:off x="3491289" y="9668086"/>
+                <a:ext cx="216965" cy="189611"/>
+              </a:xfrm>
+              <a:prstGeom prst="rtTriangle">
+                <a:avLst/>
+              </a:prstGeom>
+              <a:solidFill>
+                <a:srgbClr val="FFFB47"/>
+              </a:solidFill>
+              <a:ln>
+                <a:noFill/>
+              </a:ln>
+            </p:spPr>
+            <p:style>
+              <a:lnRef idx="2">
+                <a:schemeClr val="accent1">
+                  <a:shade val="50000"/>
+                </a:schemeClr>
+              </a:lnRef>
+              <a:fillRef idx="1">
+                <a:schemeClr val="accent1"/>
+              </a:fillRef>
+              <a:effectRef idx="0">
+                <a:schemeClr val="accent1"/>
+              </a:effectRef>
+              <a:fontRef idx="minor">
+                <a:schemeClr val="lt1"/>
+              </a:fontRef>
+            </p:style>
+            <p:txBody>
+              <a:bodyPr rtlCol="0" anchor="ctr"/>
+              <a:lstStyle/>
+              <a:p>
+                <a:pPr algn="ctr"/>
+                <a:endParaRPr lang="ko-KR" altLang="en-US"/>
+              </a:p>
+            </p:txBody>
+          </p:sp>
+          <p:sp>
+            <p:nvSpPr>
+              <p:cNvPr id="29" name="순서도: 처리 28"/>
+              <p:cNvSpPr/>
+              <p:nvPr/>
+            </p:nvSpPr>
+            <p:spPr>
+              <a:xfrm>
+                <a:off x="3342403" y="9947868"/>
+                <a:ext cx="3188509" cy="215466"/>
+              </a:xfrm>
+              <a:prstGeom prst="flowChartProcess">
+                <a:avLst/>
+              </a:prstGeom>
+              <a:solidFill>
+                <a:srgbClr val="FFFB47"/>
+              </a:solidFill>
+              <a:ln>
+                <a:noFill/>
+              </a:ln>
+            </p:spPr>
+            <p:style>
+              <a:lnRef idx="2">
+                <a:schemeClr val="accent1">
+                  <a:shade val="50000"/>
+                </a:schemeClr>
+              </a:lnRef>
+              <a:fillRef idx="1">
+                <a:schemeClr val="accent1"/>
+              </a:fillRef>
+              <a:effectRef idx="0">
+                <a:schemeClr val="accent1"/>
+              </a:effectRef>
+              <a:fontRef idx="minor">
+                <a:schemeClr val="lt1"/>
+              </a:fontRef>
+            </p:style>
+            <p:txBody>
+              <a:bodyPr rtlCol="0" anchor="ctr"/>
+              <a:lstStyle/>
+              <a:p>
+                <a:pPr algn="ctr"/>
+                <a:endParaRPr lang="ko-KR" altLang="en-US"/>
+              </a:p>
+            </p:txBody>
+          </p:sp>
+          <p:sp>
+            <p:nvSpPr>
+              <p:cNvPr id="30" name="직각 삼각형 29"/>
+              <p:cNvSpPr/>
+              <p:nvPr/>
+            </p:nvSpPr>
+            <p:spPr>
+              <a:xfrm rot="16200000">
+                <a:off x="3139865" y="9960796"/>
+                <a:ext cx="215466" cy="189611"/>
+              </a:xfrm>
+              <a:prstGeom prst="rtTriangle">
+                <a:avLst/>
+              </a:prstGeom>
+              <a:solidFill>
+                <a:srgbClr val="FFFB47"/>
+              </a:solidFill>
+              <a:ln>
+                <a:noFill/>
+              </a:ln>
+            </p:spPr>
+            <p:style>
+              <a:lnRef idx="2">
+                <a:schemeClr val="accent1">
+                  <a:shade val="50000"/>
+                </a:schemeClr>
+              </a:lnRef>
+              <a:fillRef idx="1">
+                <a:schemeClr val="accent1"/>
+              </a:fillRef>
+              <a:effectRef idx="0">
+                <a:schemeClr val="accent1"/>
+              </a:effectRef>
+              <a:fontRef idx="minor">
+                <a:schemeClr val="lt1"/>
+              </a:fontRef>
+            </p:style>
+            <p:txBody>
+              <a:bodyPr rtlCol="0" anchor="ctr"/>
+              <a:lstStyle/>
+              <a:p>
+                <a:pPr algn="ctr"/>
+                <a:endParaRPr lang="ko-KR" altLang="en-US"/>
+              </a:p>
+            </p:txBody>
+          </p:sp>
+        </p:grpSp>
+      </p:grpSp>
+    </p:spTree>
+    <p:extLst>
+      <p:ext uri="{BB962C8B-B14F-4D97-AF65-F5344CB8AC3E}">
+        <p14:creationId xmlns:p14="http://schemas.microsoft.com/office/powerpoint/2010/main" val="361145662"/>
+      </p:ext>
+    </p:extLst>
+  </p:cSld>
+  <p:clrMapOvr>
+    <a:masterClrMapping/>
+  </p:clrMapOvr>
+</p:sld>
+</file>
+
+<file path=ppt/slides/slide8.xml><?xml version="1.0" encoding="utf-8"?>
+<p:sld xmlns:a="http://schemas.openxmlformats.org/drawingml/2006/main" xmlns:r="http://schemas.openxmlformats.org/officeDocument/2006/relationships" xmlns:p="http://schemas.openxmlformats.org/presentationml/2006/main">
+  <p:cSld>
+    <p:spTree>
+      <p:nvGrpSpPr>
+        <p:cNvPr id="1" name=""/>
+        <p:cNvGrpSpPr/>
+        <p:nvPr/>
+      </p:nvGrpSpPr>
+      <p:grpSpPr>
+        <a:xfrm>
+          <a:off x="0" y="0"/>
+          <a:ext cx="0" cy="0"/>
+          <a:chOff x="0" y="0"/>
+          <a:chExt cx="0" cy="0"/>
+        </a:xfrm>
+      </p:grpSpPr>
+      <p:grpSp>
+        <p:nvGrpSpPr>
+          <p:cNvPr id="4" name="그룹 3"/>
+          <p:cNvGrpSpPr/>
+          <p:nvPr/>
+        </p:nvGrpSpPr>
+        <p:grpSpPr>
+          <a:xfrm>
+            <a:off x="-199789" y="732672"/>
+            <a:ext cx="7225509" cy="2457681"/>
+            <a:chOff x="-215831" y="7518483"/>
+            <a:chExt cx="7225509" cy="2457681"/>
+          </a:xfrm>
+        </p:grpSpPr>
+        <p:sp>
+          <p:nvSpPr>
+            <p:cNvPr id="5" name="직사각형 4"/>
+            <p:cNvSpPr/>
+            <p:nvPr/>
+          </p:nvSpPr>
+          <p:spPr>
+            <a:xfrm>
+              <a:off x="0" y="7748967"/>
+              <a:ext cx="6787204" cy="2043719"/>
+            </a:xfrm>
+            <a:prstGeom prst="rect">
+              <a:avLst/>
+            </a:prstGeom>
+            <a:solidFill>
+              <a:schemeClr val="tx1">
+                <a:alpha val="60000"/>
+              </a:schemeClr>
+            </a:solidFill>
+            <a:ln w="25400">
+              <a:solidFill>
+                <a:srgbClr val="53FF53"/>
+              </a:solidFill>
+            </a:ln>
+          </p:spPr>
+          <p:style>
+            <a:lnRef idx="2">
+              <a:schemeClr val="accent1">
+                <a:shade val="50000"/>
+              </a:schemeClr>
+            </a:lnRef>
+            <a:fillRef idx="1">
+              <a:schemeClr val="accent1"/>
+            </a:fillRef>
+            <a:effectRef idx="0">
+              <a:schemeClr val="accent1"/>
+            </a:effectRef>
+            <a:fontRef idx="minor">
+              <a:schemeClr val="lt1"/>
+            </a:fontRef>
+          </p:style>
+          <p:txBody>
+            <a:bodyPr rtlCol="0" anchor="ctr"/>
+            <a:lstStyle/>
+            <a:p>
+              <a:pPr algn="ctr"/>
+              <a:endParaRPr lang="ko-KR" altLang="en-US"/>
+            </a:p>
+          </p:txBody>
+        </p:sp>
+        <p:grpSp>
+          <p:nvGrpSpPr>
+            <p:cNvPr id="6" name="그룹 5"/>
+            <p:cNvGrpSpPr/>
+            <p:nvPr/>
+          </p:nvGrpSpPr>
+          <p:grpSpPr>
+            <a:xfrm>
+              <a:off x="-215831" y="7518483"/>
+              <a:ext cx="3231746" cy="1644161"/>
+              <a:chOff x="1031936" y="8017329"/>
+              <a:chExt cx="2052907" cy="1644161"/>
+            </a:xfrm>
+          </p:grpSpPr>
+          <p:sp>
+            <p:nvSpPr>
+              <p:cNvPr id="12" name="순서도: 수동 입력 11"/>
+              <p:cNvSpPr/>
+              <p:nvPr/>
+            </p:nvSpPr>
+            <p:spPr>
+              <a:xfrm rot="5400000" flipH="1">
+                <a:off x="1520175" y="7529090"/>
+                <a:ext cx="1076429" cy="2052907"/>
+              </a:xfrm>
+              <a:prstGeom prst="flowChartManualInput">
+                <a:avLst/>
+              </a:prstGeom>
+              <a:solidFill>
+                <a:srgbClr val="53FF53"/>
+              </a:solidFill>
+              <a:ln>
+                <a:noFill/>
+              </a:ln>
+            </p:spPr>
+            <p:style>
+              <a:lnRef idx="2">
+                <a:schemeClr val="accent1">
+                  <a:shade val="50000"/>
+                </a:schemeClr>
+              </a:lnRef>
+              <a:fillRef idx="1">
+                <a:schemeClr val="accent1"/>
+              </a:fillRef>
+              <a:effectRef idx="0">
+                <a:schemeClr val="accent1"/>
+              </a:effectRef>
+              <a:fontRef idx="minor">
+                <a:schemeClr val="lt1"/>
+              </a:fontRef>
+            </p:style>
+            <p:txBody>
+              <a:bodyPr rtlCol="0" anchor="ctr"/>
+              <a:lstStyle/>
+              <a:p>
+                <a:pPr algn="ctr"/>
+                <a:endParaRPr lang="ko-KR" altLang="en-US"/>
+              </a:p>
+            </p:txBody>
+          </p:sp>
+          <p:sp>
+            <p:nvSpPr>
+              <p:cNvPr id="13" name="순서도: 처리 12"/>
+              <p:cNvSpPr/>
+              <p:nvPr/>
+            </p:nvSpPr>
+            <p:spPr>
+              <a:xfrm>
+                <a:off x="1031936" y="9224389"/>
+                <a:ext cx="1521141" cy="150724"/>
+              </a:xfrm>
+              <a:prstGeom prst="flowChartProcess">
+                <a:avLst/>
+              </a:prstGeom>
+              <a:solidFill>
+                <a:srgbClr val="53FF53"/>
+              </a:solidFill>
+              <a:ln>
+                <a:noFill/>
+              </a:ln>
+            </p:spPr>
+            <p:style>
+              <a:lnRef idx="2">
+                <a:schemeClr val="accent1">
+                  <a:shade val="50000"/>
+                </a:schemeClr>
+              </a:lnRef>
+              <a:fillRef idx="1">
+                <a:schemeClr val="accent1"/>
+              </a:fillRef>
+              <a:effectRef idx="0">
+                <a:schemeClr val="accent1"/>
+              </a:effectRef>
+              <a:fontRef idx="minor">
+                <a:schemeClr val="lt1"/>
+              </a:fontRef>
+            </p:style>
+            <p:txBody>
+              <a:bodyPr rtlCol="0" anchor="ctr"/>
+              <a:lstStyle/>
+              <a:p>
+                <a:pPr algn="ctr"/>
+                <a:endParaRPr lang="ko-KR" altLang="en-US"/>
+              </a:p>
+            </p:txBody>
+          </p:sp>
+          <p:sp>
+            <p:nvSpPr>
+              <p:cNvPr id="14" name="순서도: 처리 13"/>
+              <p:cNvSpPr/>
+              <p:nvPr/>
+            </p:nvSpPr>
+            <p:spPr>
+              <a:xfrm>
+                <a:off x="1031936" y="9510766"/>
+                <a:ext cx="1400428" cy="150724"/>
+              </a:xfrm>
+              <a:prstGeom prst="flowChartProcess">
+                <a:avLst/>
+              </a:prstGeom>
+              <a:solidFill>
+                <a:srgbClr val="53FF53"/>
+              </a:solidFill>
+              <a:ln>
+                <a:noFill/>
+              </a:ln>
+            </p:spPr>
+            <p:style>
+              <a:lnRef idx="2">
+                <a:schemeClr val="accent1">
+                  <a:shade val="50000"/>
+                </a:schemeClr>
+              </a:lnRef>
+              <a:fillRef idx="1">
+                <a:schemeClr val="accent1"/>
+              </a:fillRef>
+              <a:effectRef idx="0">
+                <a:schemeClr val="accent1"/>
+              </a:effectRef>
+              <a:fontRef idx="minor">
+                <a:schemeClr val="lt1"/>
+              </a:fontRef>
+            </p:style>
+            <p:txBody>
+              <a:bodyPr rtlCol="0" anchor="ctr"/>
+              <a:lstStyle/>
+              <a:p>
+                <a:pPr algn="ctr"/>
+                <a:endParaRPr lang="ko-KR" altLang="en-US"/>
+              </a:p>
+            </p:txBody>
+          </p:sp>
+        </p:grpSp>
+        <p:grpSp>
+          <p:nvGrpSpPr>
+            <p:cNvPr id="7" name="그룹 6"/>
+            <p:cNvGrpSpPr/>
+            <p:nvPr/>
+          </p:nvGrpSpPr>
+          <p:grpSpPr>
+            <a:xfrm>
+              <a:off x="3161401" y="9467238"/>
+              <a:ext cx="3848277" cy="508926"/>
+              <a:chOff x="3152792" y="9654409"/>
+              <a:chExt cx="3378120" cy="508926"/>
+            </a:xfrm>
+          </p:grpSpPr>
+          <p:sp>
+            <p:nvSpPr>
+              <p:cNvPr id="8" name="순서도: 처리 7"/>
+              <p:cNvSpPr/>
+              <p:nvPr/>
+            </p:nvSpPr>
+            <p:spPr>
+              <a:xfrm>
+                <a:off x="3694577" y="9654410"/>
+                <a:ext cx="2836335" cy="216965"/>
+              </a:xfrm>
+              <a:prstGeom prst="flowChartProcess">
+                <a:avLst/>
+              </a:prstGeom>
+              <a:solidFill>
+                <a:srgbClr val="53FF53"/>
+              </a:solidFill>
+              <a:ln>
+                <a:noFill/>
+              </a:ln>
+            </p:spPr>
+            <p:style>
+              <a:lnRef idx="2">
+                <a:schemeClr val="accent1">
+                  <a:shade val="50000"/>
+                </a:schemeClr>
+              </a:lnRef>
+              <a:fillRef idx="1">
+                <a:schemeClr val="accent1"/>
+              </a:fillRef>
+              <a:effectRef idx="0">
+                <a:schemeClr val="accent1"/>
+              </a:effectRef>
+              <a:fontRef idx="minor">
+                <a:schemeClr val="lt1"/>
+              </a:fontRef>
+            </p:style>
+            <p:txBody>
+              <a:bodyPr rtlCol="0" anchor="ctr"/>
+              <a:lstStyle/>
+              <a:p>
+                <a:pPr algn="ctr"/>
+                <a:endParaRPr lang="ko-KR" altLang="en-US"/>
+              </a:p>
+            </p:txBody>
+          </p:sp>
+          <p:sp>
+            <p:nvSpPr>
+              <p:cNvPr id="9" name="직각 삼각형 8"/>
+              <p:cNvSpPr/>
+              <p:nvPr/>
+            </p:nvSpPr>
+            <p:spPr>
+              <a:xfrm rot="16200000">
+                <a:off x="3491289" y="9668086"/>
+                <a:ext cx="216965" cy="189611"/>
+              </a:xfrm>
+              <a:prstGeom prst="rtTriangle">
+                <a:avLst/>
+              </a:prstGeom>
+              <a:solidFill>
+                <a:srgbClr val="53FF53"/>
+              </a:solidFill>
+              <a:ln>
+                <a:noFill/>
+              </a:ln>
+            </p:spPr>
+            <p:style>
+              <a:lnRef idx="2">
+                <a:schemeClr val="accent1">
+                  <a:shade val="50000"/>
+                </a:schemeClr>
+              </a:lnRef>
+              <a:fillRef idx="1">
+                <a:schemeClr val="accent1"/>
+              </a:fillRef>
+              <a:effectRef idx="0">
+                <a:schemeClr val="accent1"/>
+              </a:effectRef>
+              <a:fontRef idx="minor">
+                <a:schemeClr val="lt1"/>
+              </a:fontRef>
+            </p:style>
+            <p:txBody>
+              <a:bodyPr rtlCol="0" anchor="ctr"/>
+              <a:lstStyle/>
+              <a:p>
+                <a:pPr algn="ctr"/>
+                <a:endParaRPr lang="ko-KR" altLang="en-US"/>
+              </a:p>
+            </p:txBody>
+          </p:sp>
+          <p:sp>
+            <p:nvSpPr>
+              <p:cNvPr id="10" name="순서도: 처리 9"/>
+              <p:cNvSpPr/>
+              <p:nvPr/>
+            </p:nvSpPr>
+            <p:spPr>
+              <a:xfrm>
+                <a:off x="3342403" y="9947868"/>
+                <a:ext cx="3188509" cy="215466"/>
+              </a:xfrm>
+              <a:prstGeom prst="flowChartProcess">
+                <a:avLst/>
+              </a:prstGeom>
+              <a:solidFill>
+                <a:srgbClr val="53FF53"/>
+              </a:solidFill>
+              <a:ln>
+                <a:noFill/>
+              </a:ln>
+            </p:spPr>
+            <p:style>
+              <a:lnRef idx="2">
+                <a:schemeClr val="accent1">
+                  <a:shade val="50000"/>
+                </a:schemeClr>
+              </a:lnRef>
+              <a:fillRef idx="1">
+                <a:schemeClr val="accent1"/>
+              </a:fillRef>
+              <a:effectRef idx="0">
+                <a:schemeClr val="accent1"/>
+              </a:effectRef>
+              <a:fontRef idx="minor">
+                <a:schemeClr val="lt1"/>
+              </a:fontRef>
+            </p:style>
+            <p:txBody>
+              <a:bodyPr rtlCol="0" anchor="ctr"/>
+              <a:lstStyle/>
+              <a:p>
+                <a:pPr algn="ctr"/>
+                <a:endParaRPr lang="ko-KR" altLang="en-US"/>
+              </a:p>
+            </p:txBody>
+          </p:sp>
+          <p:sp>
+            <p:nvSpPr>
+              <p:cNvPr id="11" name="직각 삼각형 10"/>
+              <p:cNvSpPr/>
+              <p:nvPr/>
+            </p:nvSpPr>
+            <p:spPr>
+              <a:xfrm rot="16200000">
+                <a:off x="3139865" y="9960796"/>
+                <a:ext cx="215466" cy="189611"/>
+              </a:xfrm>
+              <a:prstGeom prst="rtTriangle">
+                <a:avLst/>
+              </a:prstGeom>
+              <a:solidFill>
+                <a:srgbClr val="53FF53"/>
+              </a:solidFill>
+              <a:ln>
+                <a:noFill/>
+              </a:ln>
+            </p:spPr>
+            <p:style>
+              <a:lnRef idx="2">
+                <a:schemeClr val="accent1">
+                  <a:shade val="50000"/>
+                </a:schemeClr>
+              </a:lnRef>
+              <a:fillRef idx="1">
+                <a:schemeClr val="accent1"/>
+              </a:fillRef>
+              <a:effectRef idx="0">
+                <a:schemeClr val="accent1"/>
+              </a:effectRef>
+              <a:fontRef idx="minor">
+                <a:schemeClr val="lt1"/>
+              </a:fontRef>
+            </p:style>
+            <p:txBody>
+              <a:bodyPr rtlCol="0" anchor="ctr"/>
+              <a:lstStyle/>
+              <a:p>
+                <a:pPr algn="ctr"/>
+                <a:endParaRPr lang="ko-KR" altLang="en-US"/>
+              </a:p>
+            </p:txBody>
+          </p:sp>
+        </p:grpSp>
+      </p:grpSp>
+    </p:spTree>
+    <p:extLst>
+      <p:ext uri="{BB962C8B-B14F-4D97-AF65-F5344CB8AC3E}">
+        <p14:creationId xmlns:p14="http://schemas.microsoft.com/office/powerpoint/2010/main" val="1325367406"/>
+      </p:ext>
+    </p:extLst>
+  </p:cSld>
+  <p:clrMapOvr>
+    <a:masterClrMapping/>
+  </p:clrMapOvr>
+</p:sld>
+</file>
+
 <file path=ppt/theme/theme1.xml><?xml version="1.0" encoding="utf-8"?>
 <a:theme xmlns:a="http://schemas.openxmlformats.org/drawingml/2006/main" name="Office 테마">
   <a:themeElements>

--- a/Drawing RPG Dummy 리소스 EQ1.pptx
+++ b/Drawing RPG Dummy 리소스 EQ1.pptx
@@ -3304,6 +3304,54 @@
           </p:txBody>
         </p:sp>
       </p:grpSp>
+      <p:sp>
+        <p:nvSpPr>
+          <p:cNvPr id="2" name="타원 1"/>
+          <p:cNvSpPr/>
+          <p:nvPr/>
+        </p:nvSpPr>
+        <p:spPr>
+          <a:xfrm>
+            <a:off x="1120140" y="1417320"/>
+            <a:ext cx="2880000" cy="2880000"/>
+          </a:xfrm>
+          <a:prstGeom prst="ellipse">
+            <a:avLst/>
+          </a:prstGeom>
+          <a:solidFill>
+            <a:srgbClr val="FF0000">
+              <a:alpha val="30000"/>
+            </a:srgbClr>
+          </a:solidFill>
+          <a:ln>
+            <a:noFill/>
+          </a:ln>
+        </p:spPr>
+        <p:style>
+          <a:lnRef idx="2">
+            <a:schemeClr val="accent1">
+              <a:shade val="50000"/>
+            </a:schemeClr>
+          </a:lnRef>
+          <a:fillRef idx="1">
+            <a:schemeClr val="accent1"/>
+          </a:fillRef>
+          <a:effectRef idx="0">
+            <a:schemeClr val="accent1"/>
+          </a:effectRef>
+          <a:fontRef idx="minor">
+            <a:schemeClr val="lt1"/>
+          </a:fontRef>
+        </p:style>
+        <p:txBody>
+          <a:bodyPr rtlCol="0" anchor="ctr"/>
+          <a:lstStyle/>
+          <a:p>
+            <a:pPr algn="ctr"/>
+            <a:endParaRPr lang="ko-KR" altLang="en-US"/>
+          </a:p>
+        </p:txBody>
+      </p:sp>
     </p:spTree>
     <p:extLst>
       <p:ext uri="{BB962C8B-B14F-4D97-AF65-F5344CB8AC3E}">

--- a/Drawing RPG Dummy 리소스 EQ1.pptx
+++ b/Drawing RPG Dummy 리소스 EQ1.pptx
@@ -119,6 +119,10 @@
 </p:presentation>
 </file>
 
+<file path=ppt/revisionInfo.xml><?xml version="1.0" encoding="utf-8"?>
+<p1510:revInfo xmlns:a="http://schemas.openxmlformats.org/drawingml/2006/main" xmlns:r="http://schemas.openxmlformats.org/officeDocument/2006/relationships" xmlns:p1510="http://schemas.microsoft.com/office/powerpoint/2015/10/main"/>
+</file>
+
 <file path=ppt/slideLayouts/slideLayout1.xml><?xml version="1.0" encoding="utf-8"?>
 <p:sldLayout xmlns:a="http://schemas.openxmlformats.org/drawingml/2006/main" xmlns:r="http://schemas.openxmlformats.org/officeDocument/2006/relationships" xmlns:p="http://schemas.openxmlformats.org/presentationml/2006/main" type="title" preserve="1">
   <p:cSld name="제목 슬라이드">
@@ -161,7 +165,7 @@
           </a:lstStyle>
           <a:p>
             <a:r>
-              <a:rPr lang="ko-KR" altLang="en-US" smtClean="0"/>
+              <a:rPr lang="ko-KR" altLang="en-US"/>
               <a:t>마스터 제목 스타일 편집</a:t>
             </a:r>
             <a:endParaRPr lang="en-US" dirty="0"/>
@@ -226,7 +230,7 @@
           </a:lstStyle>
           <a:p>
             <a:r>
-              <a:rPr lang="ko-KR" altLang="en-US" smtClean="0"/>
+              <a:rPr lang="ko-KR" altLang="en-US"/>
               <a:t>클릭하여 마스터 부제목 스타일 편집</a:t>
             </a:r>
             <a:endParaRPr lang="en-US" dirty="0"/>
@@ -250,7 +254,7 @@
           <a:p>
             <a:fld id="{AA37944B-7E6E-4BE5-98A2-1729CB3644D8}" type="datetimeFigureOut">
               <a:rPr lang="ko-KR" altLang="en-US" smtClean="0"/>
-              <a:t>2017-07-14</a:t>
+              <a:t>2017-08-24</a:t>
             </a:fld>
             <a:endParaRPr lang="ko-KR" altLang="en-US"/>
           </a:p>
@@ -344,7 +348,7 @@
           <a:lstStyle/>
           <a:p>
             <a:r>
-              <a:rPr lang="ko-KR" altLang="en-US" smtClean="0"/>
+              <a:rPr lang="ko-KR" altLang="en-US"/>
               <a:t>마스터 제목 스타일 편집</a:t>
             </a:r>
             <a:endParaRPr lang="en-US" dirty="0"/>
@@ -368,35 +372,35 @@
           <a:p>
             <a:pPr lvl="0"/>
             <a:r>
-              <a:rPr lang="ko-KR" altLang="en-US" smtClean="0"/>
+              <a:rPr lang="ko-KR" altLang="en-US"/>
               <a:t>마스터 텍스트 스타일 편집</a:t>
             </a:r>
           </a:p>
           <a:p>
             <a:pPr lvl="1"/>
             <a:r>
-              <a:rPr lang="ko-KR" altLang="en-US" smtClean="0"/>
+              <a:rPr lang="ko-KR" altLang="en-US"/>
               <a:t>둘째 수준</a:t>
             </a:r>
           </a:p>
           <a:p>
             <a:pPr lvl="2"/>
             <a:r>
-              <a:rPr lang="ko-KR" altLang="en-US" smtClean="0"/>
+              <a:rPr lang="ko-KR" altLang="en-US"/>
               <a:t>셋째 수준</a:t>
             </a:r>
           </a:p>
           <a:p>
             <a:pPr lvl="3"/>
             <a:r>
-              <a:rPr lang="ko-KR" altLang="en-US" smtClean="0"/>
+              <a:rPr lang="ko-KR" altLang="en-US"/>
               <a:t>넷째 수준</a:t>
             </a:r>
           </a:p>
           <a:p>
             <a:pPr lvl="4"/>
             <a:r>
-              <a:rPr lang="ko-KR" altLang="en-US" smtClean="0"/>
+              <a:rPr lang="ko-KR" altLang="en-US"/>
               <a:t>다섯째 수준</a:t>
             </a:r>
             <a:endParaRPr lang="en-US" dirty="0"/>
@@ -420,7 +424,7 @@
           <a:p>
             <a:fld id="{AA37944B-7E6E-4BE5-98A2-1729CB3644D8}" type="datetimeFigureOut">
               <a:rPr lang="ko-KR" altLang="en-US" smtClean="0"/>
-              <a:t>2017-07-14</a:t>
+              <a:t>2017-08-24</a:t>
             </a:fld>
             <a:endParaRPr lang="ko-KR" altLang="en-US"/>
           </a:p>
@@ -519,7 +523,7 @@
           <a:lstStyle/>
           <a:p>
             <a:r>
-              <a:rPr lang="ko-KR" altLang="en-US" smtClean="0"/>
+              <a:rPr lang="ko-KR" altLang="en-US"/>
               <a:t>마스터 제목 스타일 편집</a:t>
             </a:r>
             <a:endParaRPr lang="en-US" dirty="0"/>
@@ -548,35 +552,35 @@
           <a:p>
             <a:pPr lvl="0"/>
             <a:r>
-              <a:rPr lang="ko-KR" altLang="en-US" smtClean="0"/>
+              <a:rPr lang="ko-KR" altLang="en-US"/>
               <a:t>마스터 텍스트 스타일 편집</a:t>
             </a:r>
           </a:p>
           <a:p>
             <a:pPr lvl="1"/>
             <a:r>
-              <a:rPr lang="ko-KR" altLang="en-US" smtClean="0"/>
+              <a:rPr lang="ko-KR" altLang="en-US"/>
               <a:t>둘째 수준</a:t>
             </a:r>
           </a:p>
           <a:p>
             <a:pPr lvl="2"/>
             <a:r>
-              <a:rPr lang="ko-KR" altLang="en-US" smtClean="0"/>
+              <a:rPr lang="ko-KR" altLang="en-US"/>
               <a:t>셋째 수준</a:t>
             </a:r>
           </a:p>
           <a:p>
             <a:pPr lvl="3"/>
             <a:r>
-              <a:rPr lang="ko-KR" altLang="en-US" smtClean="0"/>
+              <a:rPr lang="ko-KR" altLang="en-US"/>
               <a:t>넷째 수준</a:t>
             </a:r>
           </a:p>
           <a:p>
             <a:pPr lvl="4"/>
             <a:r>
-              <a:rPr lang="ko-KR" altLang="en-US" smtClean="0"/>
+              <a:rPr lang="ko-KR" altLang="en-US"/>
               <a:t>다섯째 수준</a:t>
             </a:r>
             <a:endParaRPr lang="en-US" dirty="0"/>
@@ -600,7 +604,7 @@
           <a:p>
             <a:fld id="{AA37944B-7E6E-4BE5-98A2-1729CB3644D8}" type="datetimeFigureOut">
               <a:rPr lang="ko-KR" altLang="en-US" smtClean="0"/>
-              <a:t>2017-07-14</a:t>
+              <a:t>2017-08-24</a:t>
             </a:fld>
             <a:endParaRPr lang="ko-KR" altLang="en-US"/>
           </a:p>
@@ -694,7 +698,7 @@
           <a:lstStyle/>
           <a:p>
             <a:r>
-              <a:rPr lang="ko-KR" altLang="en-US" smtClean="0"/>
+              <a:rPr lang="ko-KR" altLang="en-US"/>
               <a:t>마스터 제목 스타일 편집</a:t>
             </a:r>
             <a:endParaRPr lang="en-US" dirty="0"/>
@@ -718,35 +722,35 @@
           <a:p>
             <a:pPr lvl="0"/>
             <a:r>
-              <a:rPr lang="ko-KR" altLang="en-US" smtClean="0"/>
+              <a:rPr lang="ko-KR" altLang="en-US"/>
               <a:t>마스터 텍스트 스타일 편집</a:t>
             </a:r>
           </a:p>
           <a:p>
             <a:pPr lvl="1"/>
             <a:r>
-              <a:rPr lang="ko-KR" altLang="en-US" smtClean="0"/>
+              <a:rPr lang="ko-KR" altLang="en-US"/>
               <a:t>둘째 수준</a:t>
             </a:r>
           </a:p>
           <a:p>
             <a:pPr lvl="2"/>
             <a:r>
-              <a:rPr lang="ko-KR" altLang="en-US" smtClean="0"/>
+              <a:rPr lang="ko-KR" altLang="en-US"/>
               <a:t>셋째 수준</a:t>
             </a:r>
           </a:p>
           <a:p>
             <a:pPr lvl="3"/>
             <a:r>
-              <a:rPr lang="ko-KR" altLang="en-US" smtClean="0"/>
+              <a:rPr lang="ko-KR" altLang="en-US"/>
               <a:t>넷째 수준</a:t>
             </a:r>
           </a:p>
           <a:p>
             <a:pPr lvl="4"/>
             <a:r>
-              <a:rPr lang="ko-KR" altLang="en-US" smtClean="0"/>
+              <a:rPr lang="ko-KR" altLang="en-US"/>
               <a:t>다섯째 수준</a:t>
             </a:r>
             <a:endParaRPr lang="en-US" dirty="0"/>
@@ -770,7 +774,7 @@
           <a:p>
             <a:fld id="{AA37944B-7E6E-4BE5-98A2-1729CB3644D8}" type="datetimeFigureOut">
               <a:rPr lang="ko-KR" altLang="en-US" smtClean="0"/>
-              <a:t>2017-07-14</a:t>
+              <a:t>2017-08-24</a:t>
             </a:fld>
             <a:endParaRPr lang="ko-KR" altLang="en-US"/>
           </a:p>
@@ -873,7 +877,7 @@
           </a:lstStyle>
           <a:p>
             <a:r>
-              <a:rPr lang="ko-KR" altLang="en-US" smtClean="0"/>
+              <a:rPr lang="ko-KR" altLang="en-US"/>
               <a:t>마스터 제목 스타일 편집</a:t>
             </a:r>
             <a:endParaRPr lang="en-US" dirty="0"/>
@@ -991,7 +995,7 @@
           <a:p>
             <a:pPr lvl="0"/>
             <a:r>
-              <a:rPr lang="ko-KR" altLang="en-US" smtClean="0"/>
+              <a:rPr lang="ko-KR" altLang="en-US"/>
               <a:t>마스터 텍스트 스타일 편집</a:t>
             </a:r>
           </a:p>
@@ -1014,7 +1018,7 @@
           <a:p>
             <a:fld id="{AA37944B-7E6E-4BE5-98A2-1729CB3644D8}" type="datetimeFigureOut">
               <a:rPr lang="ko-KR" altLang="en-US" smtClean="0"/>
-              <a:t>2017-07-14</a:t>
+              <a:t>2017-08-24</a:t>
             </a:fld>
             <a:endParaRPr lang="ko-KR" altLang="en-US"/>
           </a:p>
@@ -1108,7 +1112,7 @@
           <a:lstStyle/>
           <a:p>
             <a:r>
-              <a:rPr lang="ko-KR" altLang="en-US" smtClean="0"/>
+              <a:rPr lang="ko-KR" altLang="en-US"/>
               <a:t>마스터 제목 스타일 편집</a:t>
             </a:r>
             <a:endParaRPr lang="en-US" dirty="0"/>
@@ -1137,35 +1141,35 @@
           <a:p>
             <a:pPr lvl="0"/>
             <a:r>
-              <a:rPr lang="ko-KR" altLang="en-US" smtClean="0"/>
+              <a:rPr lang="ko-KR" altLang="en-US"/>
               <a:t>마스터 텍스트 스타일 편집</a:t>
             </a:r>
           </a:p>
           <a:p>
             <a:pPr lvl="1"/>
             <a:r>
-              <a:rPr lang="ko-KR" altLang="en-US" smtClean="0"/>
+              <a:rPr lang="ko-KR" altLang="en-US"/>
               <a:t>둘째 수준</a:t>
             </a:r>
           </a:p>
           <a:p>
             <a:pPr lvl="2"/>
             <a:r>
-              <a:rPr lang="ko-KR" altLang="en-US" smtClean="0"/>
+              <a:rPr lang="ko-KR" altLang="en-US"/>
               <a:t>셋째 수준</a:t>
             </a:r>
           </a:p>
           <a:p>
             <a:pPr lvl="3"/>
             <a:r>
-              <a:rPr lang="ko-KR" altLang="en-US" smtClean="0"/>
+              <a:rPr lang="ko-KR" altLang="en-US"/>
               <a:t>넷째 수준</a:t>
             </a:r>
           </a:p>
           <a:p>
             <a:pPr lvl="4"/>
             <a:r>
-              <a:rPr lang="ko-KR" altLang="en-US" smtClean="0"/>
+              <a:rPr lang="ko-KR" altLang="en-US"/>
               <a:t>다섯째 수준</a:t>
             </a:r>
             <a:endParaRPr lang="en-US" dirty="0"/>
@@ -1194,35 +1198,35 @@
           <a:p>
             <a:pPr lvl="0"/>
             <a:r>
-              <a:rPr lang="ko-KR" altLang="en-US" smtClean="0"/>
+              <a:rPr lang="ko-KR" altLang="en-US"/>
               <a:t>마스터 텍스트 스타일 편집</a:t>
             </a:r>
           </a:p>
           <a:p>
             <a:pPr lvl="1"/>
             <a:r>
-              <a:rPr lang="ko-KR" altLang="en-US" smtClean="0"/>
+              <a:rPr lang="ko-KR" altLang="en-US"/>
               <a:t>둘째 수준</a:t>
             </a:r>
           </a:p>
           <a:p>
             <a:pPr lvl="2"/>
             <a:r>
-              <a:rPr lang="ko-KR" altLang="en-US" smtClean="0"/>
+              <a:rPr lang="ko-KR" altLang="en-US"/>
               <a:t>셋째 수준</a:t>
             </a:r>
           </a:p>
           <a:p>
             <a:pPr lvl="3"/>
             <a:r>
-              <a:rPr lang="ko-KR" altLang="en-US" smtClean="0"/>
+              <a:rPr lang="ko-KR" altLang="en-US"/>
               <a:t>넷째 수준</a:t>
             </a:r>
           </a:p>
           <a:p>
             <a:pPr lvl="4"/>
             <a:r>
-              <a:rPr lang="ko-KR" altLang="en-US" smtClean="0"/>
+              <a:rPr lang="ko-KR" altLang="en-US"/>
               <a:t>다섯째 수준</a:t>
             </a:r>
             <a:endParaRPr lang="en-US" dirty="0"/>
@@ -1246,7 +1250,7 @@
           <a:p>
             <a:fld id="{AA37944B-7E6E-4BE5-98A2-1729CB3644D8}" type="datetimeFigureOut">
               <a:rPr lang="ko-KR" altLang="en-US" smtClean="0"/>
-              <a:t>2017-07-14</a:t>
+              <a:t>2017-08-24</a:t>
             </a:fld>
             <a:endParaRPr lang="ko-KR" altLang="en-US"/>
           </a:p>
@@ -1345,7 +1349,7 @@
           <a:lstStyle/>
           <a:p>
             <a:r>
-              <a:rPr lang="ko-KR" altLang="en-US" smtClean="0"/>
+              <a:rPr lang="ko-KR" altLang="en-US"/>
               <a:t>마스터 제목 스타일 편집</a:t>
             </a:r>
             <a:endParaRPr lang="en-US" dirty="0"/>
@@ -1411,7 +1415,7 @@
           <a:p>
             <a:pPr lvl="0"/>
             <a:r>
-              <a:rPr lang="ko-KR" altLang="en-US" smtClean="0"/>
+              <a:rPr lang="ko-KR" altLang="en-US"/>
               <a:t>마스터 텍스트 스타일 편집</a:t>
             </a:r>
           </a:p>
@@ -1439,35 +1443,35 @@
           <a:p>
             <a:pPr lvl="0"/>
             <a:r>
-              <a:rPr lang="ko-KR" altLang="en-US" smtClean="0"/>
+              <a:rPr lang="ko-KR" altLang="en-US"/>
               <a:t>마스터 텍스트 스타일 편집</a:t>
             </a:r>
           </a:p>
           <a:p>
             <a:pPr lvl="1"/>
             <a:r>
-              <a:rPr lang="ko-KR" altLang="en-US" smtClean="0"/>
+              <a:rPr lang="ko-KR" altLang="en-US"/>
               <a:t>둘째 수준</a:t>
             </a:r>
           </a:p>
           <a:p>
             <a:pPr lvl="2"/>
             <a:r>
-              <a:rPr lang="ko-KR" altLang="en-US" smtClean="0"/>
+              <a:rPr lang="ko-KR" altLang="en-US"/>
               <a:t>셋째 수준</a:t>
             </a:r>
           </a:p>
           <a:p>
             <a:pPr lvl="3"/>
             <a:r>
-              <a:rPr lang="ko-KR" altLang="en-US" smtClean="0"/>
+              <a:rPr lang="ko-KR" altLang="en-US"/>
               <a:t>넷째 수준</a:t>
             </a:r>
           </a:p>
           <a:p>
             <a:pPr lvl="4"/>
             <a:r>
-              <a:rPr lang="ko-KR" altLang="en-US" smtClean="0"/>
+              <a:rPr lang="ko-KR" altLang="en-US"/>
               <a:t>다섯째 수준</a:t>
             </a:r>
             <a:endParaRPr lang="en-US" dirty="0"/>
@@ -1533,7 +1537,7 @@
           <a:p>
             <a:pPr lvl="0"/>
             <a:r>
-              <a:rPr lang="ko-KR" altLang="en-US" smtClean="0"/>
+              <a:rPr lang="ko-KR" altLang="en-US"/>
               <a:t>마스터 텍스트 스타일 편집</a:t>
             </a:r>
           </a:p>
@@ -1561,35 +1565,35 @@
           <a:p>
             <a:pPr lvl="0"/>
             <a:r>
-              <a:rPr lang="ko-KR" altLang="en-US" smtClean="0"/>
+              <a:rPr lang="ko-KR" altLang="en-US"/>
               <a:t>마스터 텍스트 스타일 편집</a:t>
             </a:r>
           </a:p>
           <a:p>
             <a:pPr lvl="1"/>
             <a:r>
-              <a:rPr lang="ko-KR" altLang="en-US" smtClean="0"/>
+              <a:rPr lang="ko-KR" altLang="en-US"/>
               <a:t>둘째 수준</a:t>
             </a:r>
           </a:p>
           <a:p>
             <a:pPr lvl="2"/>
             <a:r>
-              <a:rPr lang="ko-KR" altLang="en-US" smtClean="0"/>
+              <a:rPr lang="ko-KR" altLang="en-US"/>
               <a:t>셋째 수준</a:t>
             </a:r>
           </a:p>
           <a:p>
             <a:pPr lvl="3"/>
             <a:r>
-              <a:rPr lang="ko-KR" altLang="en-US" smtClean="0"/>
+              <a:rPr lang="ko-KR" altLang="en-US"/>
               <a:t>넷째 수준</a:t>
             </a:r>
           </a:p>
           <a:p>
             <a:pPr lvl="4"/>
             <a:r>
-              <a:rPr lang="ko-KR" altLang="en-US" smtClean="0"/>
+              <a:rPr lang="ko-KR" altLang="en-US"/>
               <a:t>다섯째 수준</a:t>
             </a:r>
             <a:endParaRPr lang="en-US" dirty="0"/>
@@ -1613,7 +1617,7 @@
           <a:p>
             <a:fld id="{AA37944B-7E6E-4BE5-98A2-1729CB3644D8}" type="datetimeFigureOut">
               <a:rPr lang="ko-KR" altLang="en-US" smtClean="0"/>
-              <a:t>2017-07-14</a:t>
+              <a:t>2017-08-24</a:t>
             </a:fld>
             <a:endParaRPr lang="ko-KR" altLang="en-US"/>
           </a:p>
@@ -1707,7 +1711,7 @@
           <a:lstStyle/>
           <a:p>
             <a:r>
-              <a:rPr lang="ko-KR" altLang="en-US" smtClean="0"/>
+              <a:rPr lang="ko-KR" altLang="en-US"/>
               <a:t>마스터 제목 스타일 편집</a:t>
             </a:r>
             <a:endParaRPr lang="en-US" dirty="0"/>
@@ -1731,7 +1735,7 @@
           <a:p>
             <a:fld id="{AA37944B-7E6E-4BE5-98A2-1729CB3644D8}" type="datetimeFigureOut">
               <a:rPr lang="ko-KR" altLang="en-US" smtClean="0"/>
-              <a:t>2017-07-14</a:t>
+              <a:t>2017-08-24</a:t>
             </a:fld>
             <a:endParaRPr lang="ko-KR" altLang="en-US"/>
           </a:p>
@@ -1826,7 +1830,7 @@
           <a:p>
             <a:fld id="{AA37944B-7E6E-4BE5-98A2-1729CB3644D8}" type="datetimeFigureOut">
               <a:rPr lang="ko-KR" altLang="en-US" smtClean="0"/>
-              <a:t>2017-07-14</a:t>
+              <a:t>2017-08-24</a:t>
             </a:fld>
             <a:endParaRPr lang="ko-KR" altLang="en-US"/>
           </a:p>
@@ -1929,7 +1933,7 @@
           </a:lstStyle>
           <a:p>
             <a:r>
-              <a:rPr lang="ko-KR" altLang="en-US" smtClean="0"/>
+              <a:rPr lang="ko-KR" altLang="en-US"/>
               <a:t>마스터 제목 스타일 편집</a:t>
             </a:r>
             <a:endParaRPr lang="en-US" dirty="0"/>
@@ -1986,35 +1990,35 @@
           <a:p>
             <a:pPr lvl="0"/>
             <a:r>
-              <a:rPr lang="ko-KR" altLang="en-US" smtClean="0"/>
+              <a:rPr lang="ko-KR" altLang="en-US"/>
               <a:t>마스터 텍스트 스타일 편집</a:t>
             </a:r>
           </a:p>
           <a:p>
             <a:pPr lvl="1"/>
             <a:r>
-              <a:rPr lang="ko-KR" altLang="en-US" smtClean="0"/>
+              <a:rPr lang="ko-KR" altLang="en-US"/>
               <a:t>둘째 수준</a:t>
             </a:r>
           </a:p>
           <a:p>
             <a:pPr lvl="2"/>
             <a:r>
-              <a:rPr lang="ko-KR" altLang="en-US" smtClean="0"/>
+              <a:rPr lang="ko-KR" altLang="en-US"/>
               <a:t>셋째 수준</a:t>
             </a:r>
           </a:p>
           <a:p>
             <a:pPr lvl="3"/>
             <a:r>
-              <a:rPr lang="ko-KR" altLang="en-US" smtClean="0"/>
+              <a:rPr lang="ko-KR" altLang="en-US"/>
               <a:t>넷째 수준</a:t>
             </a:r>
           </a:p>
           <a:p>
             <a:pPr lvl="4"/>
             <a:r>
-              <a:rPr lang="ko-KR" altLang="en-US" smtClean="0"/>
+              <a:rPr lang="ko-KR" altLang="en-US"/>
               <a:t>다섯째 수준</a:t>
             </a:r>
             <a:endParaRPr lang="en-US" dirty="0"/>
@@ -2080,7 +2084,7 @@
           <a:p>
             <a:pPr lvl="0"/>
             <a:r>
-              <a:rPr lang="ko-KR" altLang="en-US" smtClean="0"/>
+              <a:rPr lang="ko-KR" altLang="en-US"/>
               <a:t>마스터 텍스트 스타일 편집</a:t>
             </a:r>
           </a:p>
@@ -2103,7 +2107,7 @@
           <a:p>
             <a:fld id="{AA37944B-7E6E-4BE5-98A2-1729CB3644D8}" type="datetimeFigureOut">
               <a:rPr lang="ko-KR" altLang="en-US" smtClean="0"/>
-              <a:t>2017-07-14</a:t>
+              <a:t>2017-08-24</a:t>
             </a:fld>
             <a:endParaRPr lang="ko-KR" altLang="en-US"/>
           </a:p>
@@ -2206,7 +2210,7 @@
           </a:lstStyle>
           <a:p>
             <a:r>
-              <a:rPr lang="ko-KR" altLang="en-US" smtClean="0"/>
+              <a:rPr lang="ko-KR" altLang="en-US"/>
               <a:t>마스터 제목 스타일 편집</a:t>
             </a:r>
             <a:endParaRPr lang="en-US" dirty="0"/>
@@ -2271,7 +2275,7 @@
           </a:lstStyle>
           <a:p>
             <a:r>
-              <a:rPr lang="ko-KR" altLang="en-US" smtClean="0"/>
+              <a:rPr lang="ko-KR" altLang="en-US"/>
               <a:t>그림을 추가하려면 아이콘을 클릭하십시오</a:t>
             </a:r>
             <a:endParaRPr lang="en-US" dirty="0"/>
@@ -2337,7 +2341,7 @@
           <a:p>
             <a:pPr lvl="0"/>
             <a:r>
-              <a:rPr lang="ko-KR" altLang="en-US" smtClean="0"/>
+              <a:rPr lang="ko-KR" altLang="en-US"/>
               <a:t>마스터 텍스트 스타일 편집</a:t>
             </a:r>
           </a:p>
@@ -2360,7 +2364,7 @@
           <a:p>
             <a:fld id="{AA37944B-7E6E-4BE5-98A2-1729CB3644D8}" type="datetimeFigureOut">
               <a:rPr lang="ko-KR" altLang="en-US" smtClean="0"/>
-              <a:t>2017-07-14</a:t>
+              <a:t>2017-08-24</a:t>
             </a:fld>
             <a:endParaRPr lang="ko-KR" altLang="en-US"/>
           </a:p>
@@ -2469,7 +2473,7 @@
           <a:lstStyle/>
           <a:p>
             <a:r>
-              <a:rPr lang="ko-KR" altLang="en-US" smtClean="0"/>
+              <a:rPr lang="ko-KR" altLang="en-US"/>
               <a:t>마스터 제목 스타일 편집</a:t>
             </a:r>
             <a:endParaRPr lang="en-US" dirty="0"/>
@@ -2503,35 +2507,35 @@
           <a:p>
             <a:pPr lvl="0"/>
             <a:r>
-              <a:rPr lang="ko-KR" altLang="en-US" smtClean="0"/>
+              <a:rPr lang="ko-KR" altLang="en-US"/>
               <a:t>마스터 텍스트 스타일 편집</a:t>
             </a:r>
           </a:p>
           <a:p>
             <a:pPr lvl="1"/>
             <a:r>
-              <a:rPr lang="ko-KR" altLang="en-US" smtClean="0"/>
+              <a:rPr lang="ko-KR" altLang="en-US"/>
               <a:t>둘째 수준</a:t>
             </a:r>
           </a:p>
           <a:p>
             <a:pPr lvl="2"/>
             <a:r>
-              <a:rPr lang="ko-KR" altLang="en-US" smtClean="0"/>
+              <a:rPr lang="ko-KR" altLang="en-US"/>
               <a:t>셋째 수준</a:t>
             </a:r>
           </a:p>
           <a:p>
             <a:pPr lvl="3"/>
             <a:r>
-              <a:rPr lang="ko-KR" altLang="en-US" smtClean="0"/>
+              <a:rPr lang="ko-KR" altLang="en-US"/>
               <a:t>넷째 수준</a:t>
             </a:r>
           </a:p>
           <a:p>
             <a:pPr lvl="4"/>
             <a:r>
-              <a:rPr lang="ko-KR" altLang="en-US" smtClean="0"/>
+              <a:rPr lang="ko-KR" altLang="en-US"/>
               <a:t>다섯째 수준</a:t>
             </a:r>
             <a:endParaRPr lang="en-US" dirty="0"/>
@@ -2573,7 +2577,7 @@
           <a:p>
             <a:fld id="{AA37944B-7E6E-4BE5-98A2-1729CB3644D8}" type="datetimeFigureOut">
               <a:rPr lang="ko-KR" altLang="en-US" smtClean="0"/>
-              <a:t>2017-07-14</a:t>
+              <a:t>2017-08-24</a:t>
             </a:fld>
             <a:endParaRPr lang="ko-KR" altLang="en-US"/>
           </a:p>
@@ -4134,7 +4138,7 @@
             <a:p>
               <a:pPr algn="ctr"/>
               <a:r>
-                <a:rPr lang="en-US" altLang="ko-KR" sz="11500" b="1" dirty="0" smtClean="0">
+                <a:rPr lang="en-US" altLang="ko-KR" sz="11500" b="1" dirty="0">
                   <a:solidFill>
                     <a:schemeClr val="bg1"/>
                   </a:solidFill>
@@ -4170,7 +4174,7 @@
             <a:p>
               <a:pPr algn="ctr"/>
               <a:r>
-                <a:rPr lang="ko-KR" altLang="en-US" sz="11500" b="1" dirty="0" err="1" smtClean="0">
+                <a:rPr lang="ko-KR" altLang="en-US" sz="11500" b="1" dirty="0" err="1">
                   <a:solidFill>
                     <a:schemeClr val="bg1"/>
                   </a:solidFill>
@@ -4179,7 +4183,7 @@
                 </a:rPr>
                 <a:t>페이즈</a:t>
               </a:r>
-              <a:endParaRPr lang="en-US" altLang="ko-KR" sz="11500" b="1" dirty="0" smtClean="0">
+              <a:endParaRPr lang="en-US" altLang="ko-KR" sz="11500" b="1" dirty="0">
                 <a:solidFill>
                   <a:schemeClr val="bg1"/>
                 </a:solidFill>
@@ -4213,7 +4217,7 @@
             <a:p>
               <a:pPr algn="ctr"/>
               <a:r>
-                <a:rPr lang="en-US" altLang="ko-KR" sz="6600" b="1" dirty="0" smtClean="0">
+                <a:rPr lang="en-US" altLang="ko-KR" sz="6600" b="1" dirty="0">
                   <a:solidFill>
                     <a:schemeClr val="bg1"/>
                   </a:solidFill>
@@ -4303,7 +4307,7 @@
             <a:p>
               <a:pPr algn="ctr"/>
               <a:r>
-                <a:rPr lang="en-US" altLang="ko-KR" sz="8000" dirty="0" smtClean="0">
+                <a:rPr lang="en-US" altLang="ko-KR" sz="8000" dirty="0">
                   <a:solidFill>
                     <a:schemeClr val="bg1"/>
                   </a:solidFill>
@@ -4339,7 +4343,7 @@
             <a:p>
               <a:pPr algn="ctr"/>
               <a:r>
-                <a:rPr lang="ko-KR" altLang="en-US" sz="8000" b="1" dirty="0" smtClean="0">
+                <a:rPr lang="ko-KR" altLang="en-US" sz="8000" b="1" dirty="0">
                   <a:solidFill>
                     <a:schemeClr val="bg1"/>
                   </a:solidFill>
@@ -4348,7 +4352,7 @@
                 </a:rPr>
                 <a:t>이동</a:t>
               </a:r>
-              <a:endParaRPr lang="en-US" altLang="ko-KR" sz="8000" b="1" dirty="0" smtClean="0">
+              <a:endParaRPr lang="en-US" altLang="ko-KR" sz="8000" b="1" dirty="0">
                 <a:solidFill>
                   <a:schemeClr val="bg1"/>
                 </a:solidFill>
@@ -4629,7 +4633,7 @@
             <a:p>
               <a:pPr algn="ctr"/>
               <a:r>
-                <a:rPr lang="en-US" altLang="ko-KR" sz="11500" b="1" dirty="0" smtClean="0">
+                <a:rPr lang="en-US" altLang="ko-KR" sz="11500" b="1" dirty="0">
                   <a:solidFill>
                     <a:schemeClr val="bg1"/>
                   </a:solidFill>
@@ -4665,7 +4669,7 @@
             <a:p>
               <a:pPr algn="ctr"/>
               <a:r>
-                <a:rPr lang="ko-KR" altLang="en-US" sz="11500" b="1" dirty="0" err="1" smtClean="0">
+                <a:rPr lang="ko-KR" altLang="en-US" sz="11500" b="1" dirty="0" err="1">
                   <a:solidFill>
                     <a:schemeClr val="bg1"/>
                   </a:solidFill>
@@ -4674,7 +4678,7 @@
                 </a:rPr>
                 <a:t>페이즈</a:t>
               </a:r>
-              <a:endParaRPr lang="en-US" altLang="ko-KR" sz="11500" b="1" dirty="0" smtClean="0">
+              <a:endParaRPr lang="en-US" altLang="ko-KR" sz="11500" b="1" dirty="0">
                 <a:solidFill>
                   <a:schemeClr val="bg1"/>
                 </a:solidFill>
@@ -4708,7 +4712,7 @@
             <a:p>
               <a:pPr algn="ctr"/>
               <a:r>
-                <a:rPr lang="en-US" altLang="ko-KR" sz="6600" b="1" dirty="0" smtClean="0">
+                <a:rPr lang="en-US" altLang="ko-KR" sz="6600" b="1" dirty="0">
                   <a:solidFill>
                     <a:schemeClr val="bg1"/>
                   </a:solidFill>
@@ -4759,7 +4763,7 @@
             <a:p>
               <a:pPr algn="ctr"/>
               <a:r>
-                <a:rPr lang="en-US" altLang="ko-KR" sz="8000" dirty="0" smtClean="0">
+                <a:rPr lang="en-US" altLang="ko-KR" sz="8000" dirty="0">
                   <a:solidFill>
                     <a:schemeClr val="bg1"/>
                   </a:solidFill>
@@ -4795,7 +4799,7 @@
             <a:p>
               <a:pPr algn="ctr"/>
               <a:r>
-                <a:rPr lang="ko-KR" altLang="en-US" sz="8000" b="1" dirty="0" smtClean="0">
+                <a:rPr lang="ko-KR" altLang="en-US" sz="8000" b="1" dirty="0">
                   <a:solidFill>
                     <a:schemeClr val="bg1"/>
                   </a:solidFill>
@@ -4804,7 +4808,7 @@
                 </a:rPr>
                 <a:t>전투</a:t>
               </a:r>
-              <a:endParaRPr lang="en-US" altLang="ko-KR" sz="8000" b="1" dirty="0" smtClean="0">
+              <a:endParaRPr lang="en-US" altLang="ko-KR" sz="8000" b="1" dirty="0">
                 <a:solidFill>
                   <a:schemeClr val="bg1"/>
                 </a:solidFill>
@@ -5120,8 +5124,8 @@
           </p:nvSpPr>
           <p:spPr>
             <a:xfrm>
-              <a:off x="301956" y="4837777"/>
-              <a:ext cx="6281724" cy="2431435"/>
+              <a:off x="43842" y="4776221"/>
+              <a:ext cx="6836079" cy="2554545"/>
             </a:xfrm>
             <a:prstGeom prst="rect">
               <a:avLst/>
@@ -5135,7 +5139,7 @@
             <a:lstStyle/>
             <a:p>
               <a:r>
-                <a:rPr lang="ko-KR" altLang="en-US" sz="7600" b="1" dirty="0" smtClean="0">
+                <a:rPr lang="ko-KR" altLang="en-US" sz="8000" b="1" dirty="0">
                   <a:ln>
                     <a:solidFill>
                       <a:srgbClr val="FFFF00"/>
@@ -5155,9 +5159,9 @@
                   <a:latin typeface="나눔고딕 ExtraBold" panose="020D0904000000000000" pitchFamily="50" charset="-127"/>
                   <a:ea typeface="나눔고딕 ExtraBold" panose="020D0904000000000000" pitchFamily="50" charset="-127"/>
                 </a:rPr>
-                <a:t>목표 지점까지</a:t>
+                <a:t>모든 적을</a:t>
               </a:r>
-              <a:endParaRPr lang="en-US" altLang="ko-KR" sz="7600" b="1" dirty="0" smtClean="0">
+              <a:endParaRPr lang="en-US" altLang="ko-KR" sz="8000" b="1" dirty="0">
                 <a:ln>
                   <a:solidFill>
                     <a:srgbClr val="FFFF00"/>
@@ -5180,7 +5184,7 @@
             </a:p>
             <a:p>
               <a:r>
-                <a:rPr lang="en-US" altLang="ko-KR" sz="7600" b="1" dirty="0">
+                <a:rPr lang="en-US" altLang="ko-KR" sz="8000" b="1" dirty="0">
                   <a:ln>
                     <a:solidFill>
                       <a:srgbClr val="FFFF00"/>
@@ -5200,10 +5204,10 @@
                   <a:latin typeface="나눔고딕 ExtraBold" panose="020D0904000000000000" pitchFamily="50" charset="-127"/>
                   <a:ea typeface="나눔고딕 ExtraBold" panose="020D0904000000000000" pitchFamily="50" charset="-127"/>
                 </a:rPr>
-                <a:t> </a:t>
+                <a:t>      </a:t>
               </a:r>
               <a:r>
-                <a:rPr lang="en-US" altLang="ko-KR" sz="7600" b="1" dirty="0" smtClean="0">
+                <a:rPr lang="ko-KR" altLang="en-US" sz="8000" b="1" dirty="0">
                   <a:ln>
                     <a:solidFill>
                       <a:srgbClr val="FFFF00"/>
@@ -5223,33 +5227,10 @@
                   <a:latin typeface="나눔고딕 ExtraBold" panose="020D0904000000000000" pitchFamily="50" charset="-127"/>
                   <a:ea typeface="나눔고딕 ExtraBold" panose="020D0904000000000000" pitchFamily="50" charset="-127"/>
                 </a:rPr>
-                <a:t>       </a:t>
+                <a:t>섬멸하라</a:t>
               </a:r>
               <a:r>
-                <a:rPr lang="ko-KR" altLang="en-US" sz="7600" b="1" dirty="0" smtClean="0">
-                  <a:ln>
-                    <a:solidFill>
-                      <a:srgbClr val="FFFF00"/>
-                    </a:solidFill>
-                  </a:ln>
-                  <a:solidFill>
-                    <a:srgbClr val="FFC000"/>
-                  </a:solidFill>
-                  <a:effectLst>
-                    <a:glow rad="12700">
-                      <a:schemeClr val="accent4">
-                        <a:satMod val="175000"/>
-                        <a:alpha val="73000"/>
-                      </a:schemeClr>
-                    </a:glow>
-                  </a:effectLst>
-                  <a:latin typeface="나눔고딕 ExtraBold" panose="020D0904000000000000" pitchFamily="50" charset="-127"/>
-                  <a:ea typeface="나눔고딕 ExtraBold" panose="020D0904000000000000" pitchFamily="50" charset="-127"/>
-                </a:rPr>
-                <a:t>도달하라</a:t>
-              </a:r>
-              <a:r>
-                <a:rPr lang="en-US" altLang="ko-KR" sz="7600" b="1" dirty="0" smtClean="0">
+                <a:rPr lang="en-US" altLang="ko-KR" sz="8000" b="1" dirty="0">
                   <a:ln>
                     <a:solidFill>
                       <a:srgbClr val="FFFF00"/>
@@ -5271,7 +5252,7 @@
                 </a:rPr>
                 <a:t>!</a:t>
               </a:r>
-              <a:endParaRPr lang="ko-KR" altLang="en-US" sz="7600" b="1" dirty="0">
+              <a:endParaRPr lang="ko-KR" altLang="en-US" sz="8000" b="1" dirty="0">
                 <a:ln>
                   <a:solidFill>
                     <a:srgbClr val="FFFF00"/>
